--- a/slides/lecture-02.pptx
+++ b/slides/lecture-02.pptx
@@ -6,6 +6,16 @@
   </p:sldMasterIdLst>
   <p:sldIdLst>
     <p:sldId id="256" r:id="rId2"/>
+    <p:sldId id="257" r:id="rId3"/>
+    <p:sldId id="258" r:id="rId4"/>
+    <p:sldId id="259" r:id="rId5"/>
+    <p:sldId id="261" r:id="rId6"/>
+    <p:sldId id="260" r:id="rId7"/>
+    <p:sldId id="262" r:id="rId8"/>
+    <p:sldId id="263" r:id="rId9"/>
+    <p:sldId id="264" r:id="rId10"/>
+    <p:sldId id="265" r:id="rId11"/>
+    <p:sldId id="266" r:id="rId12"/>
   </p:sldIdLst>
   <p:sldSz cx="12192000" cy="6858000"/>
   <p:notesSz cx="6858000" cy="9144000"/>
@@ -104,6 +114,11 @@
       </a:defRPr>
     </a:lvl9pPr>
   </p:defaultTextStyle>
+  <p:extLst>
+    <p:ext uri="{EFAFB233-063F-42B5-8137-9DF3F51BA10A}">
+      <p15:sldGuideLst xmlns:p15="http://schemas.microsoft.com/office/powerpoint/2012/main"/>
+    </p:ext>
+  </p:extLst>
 </p:presentation>
 </file>
 
@@ -254,7 +269,7 @@
           <a:p>
             <a:fld id="{BC92CD2E-9963-6746-A38A-46220528DBE7}" type="datetimeFigureOut">
               <a:rPr lang="en-US" smtClean="0"/>
-              <a:t>8/30/18</a:t>
+              <a:t>9/1/18</a:t>
             </a:fld>
             <a:endParaRPr lang="en-US"/>
           </a:p>
@@ -452,7 +467,7 @@
           <a:p>
             <a:fld id="{BC92CD2E-9963-6746-A38A-46220528DBE7}" type="datetimeFigureOut">
               <a:rPr lang="en-US" smtClean="0"/>
-              <a:t>8/30/18</a:t>
+              <a:t>9/1/18</a:t>
             </a:fld>
             <a:endParaRPr lang="en-US"/>
           </a:p>
@@ -660,7 +675,7 @@
           <a:p>
             <a:fld id="{BC92CD2E-9963-6746-A38A-46220528DBE7}" type="datetimeFigureOut">
               <a:rPr lang="en-US" smtClean="0"/>
-              <a:t>8/30/18</a:t>
+              <a:t>9/1/18</a:t>
             </a:fld>
             <a:endParaRPr lang="en-US"/>
           </a:p>
@@ -858,7 +873,7 @@
           <a:p>
             <a:fld id="{BC92CD2E-9963-6746-A38A-46220528DBE7}" type="datetimeFigureOut">
               <a:rPr lang="en-US" smtClean="0"/>
-              <a:t>8/30/18</a:t>
+              <a:t>9/1/18</a:t>
             </a:fld>
             <a:endParaRPr lang="en-US"/>
           </a:p>
@@ -1133,7 +1148,7 @@
           <a:p>
             <a:fld id="{BC92CD2E-9963-6746-A38A-46220528DBE7}" type="datetimeFigureOut">
               <a:rPr lang="en-US" smtClean="0"/>
-              <a:t>8/30/18</a:t>
+              <a:t>9/1/18</a:t>
             </a:fld>
             <a:endParaRPr lang="en-US"/>
           </a:p>
@@ -1398,7 +1413,7 @@
           <a:p>
             <a:fld id="{BC92CD2E-9963-6746-A38A-46220528DBE7}" type="datetimeFigureOut">
               <a:rPr lang="en-US" smtClean="0"/>
-              <a:t>8/30/18</a:t>
+              <a:t>9/1/18</a:t>
             </a:fld>
             <a:endParaRPr lang="en-US"/>
           </a:p>
@@ -1810,7 +1825,7 @@
           <a:p>
             <a:fld id="{BC92CD2E-9963-6746-A38A-46220528DBE7}" type="datetimeFigureOut">
               <a:rPr lang="en-US" smtClean="0"/>
-              <a:t>8/30/18</a:t>
+              <a:t>9/1/18</a:t>
             </a:fld>
             <a:endParaRPr lang="en-US"/>
           </a:p>
@@ -1951,7 +1966,7 @@
           <a:p>
             <a:fld id="{BC92CD2E-9963-6746-A38A-46220528DBE7}" type="datetimeFigureOut">
               <a:rPr lang="en-US" smtClean="0"/>
-              <a:t>8/30/18</a:t>
+              <a:t>9/1/18</a:t>
             </a:fld>
             <a:endParaRPr lang="en-US"/>
           </a:p>
@@ -2064,7 +2079,7 @@
           <a:p>
             <a:fld id="{BC92CD2E-9963-6746-A38A-46220528DBE7}" type="datetimeFigureOut">
               <a:rPr lang="en-US" smtClean="0"/>
-              <a:t>8/30/18</a:t>
+              <a:t>9/1/18</a:t>
             </a:fld>
             <a:endParaRPr lang="en-US"/>
           </a:p>
@@ -2375,7 +2390,7 @@
           <a:p>
             <a:fld id="{BC92CD2E-9963-6746-A38A-46220528DBE7}" type="datetimeFigureOut">
               <a:rPr lang="en-US" smtClean="0"/>
-              <a:t>8/30/18</a:t>
+              <a:t>9/1/18</a:t>
             </a:fld>
             <a:endParaRPr lang="en-US"/>
           </a:p>
@@ -2663,7 +2678,7 @@
           <a:p>
             <a:fld id="{BC92CD2E-9963-6746-A38A-46220528DBE7}" type="datetimeFigureOut">
               <a:rPr lang="en-US" smtClean="0"/>
-              <a:t>8/30/18</a:t>
+              <a:t>9/1/18</a:t>
             </a:fld>
             <a:endParaRPr lang="en-US"/>
           </a:p>
@@ -2904,7 +2919,7 @@
           <a:p>
             <a:fld id="{BC92CD2E-9963-6746-A38A-46220528DBE7}" type="datetimeFigureOut">
               <a:rPr lang="en-US" smtClean="0"/>
-              <a:t>8/30/18</a:t>
+              <a:t>9/1/18</a:t>
             </a:fld>
             <a:endParaRPr lang="en-US"/>
           </a:p>
@@ -3342,7 +3357,10 @@
           <a:bodyPr/>
           <a:lstStyle/>
           <a:p>
-            <a:endParaRPr lang="en-US"/>
+            <a:r>
+              <a:rPr lang="en-US" dirty="0"/>
+              <a:t>Lecture 02</a:t>
+            </a:r>
           </a:p>
         </p:txBody>
       </p:sp>
@@ -3367,7 +3385,10 @@
           <a:bodyPr/>
           <a:lstStyle/>
           <a:p>
-            <a:endParaRPr lang="en-US"/>
+            <a:r>
+              <a:rPr lang="en-US" dirty="0"/>
+              <a:t>Inferences in regression and correlation</a:t>
+            </a:r>
           </a:p>
         </p:txBody>
       </p:sp>
@@ -3375,6 +3396,4027 @@
     <p:extLst>
       <p:ext uri="{BB962C8B-B14F-4D97-AF65-F5344CB8AC3E}">
         <p14:creationId xmlns:p14="http://schemas.microsoft.com/office/powerpoint/2010/main" val="3486924253"/>
+      </p:ext>
+    </p:extLst>
+  </p:cSld>
+  <p:clrMapOvr>
+    <a:masterClrMapping/>
+  </p:clrMapOvr>
+</p:sld>
+</file>
+
+<file path=ppt/slides/slide10.xml><?xml version="1.0" encoding="utf-8"?>
+<p:sld xmlns:a="http://schemas.openxmlformats.org/drawingml/2006/main" xmlns:r="http://schemas.openxmlformats.org/officeDocument/2006/relationships" xmlns:p="http://schemas.openxmlformats.org/presentationml/2006/main">
+  <p:cSld>
+    <p:spTree>
+      <p:nvGrpSpPr>
+        <p:cNvPr id="1" name=""/>
+        <p:cNvGrpSpPr/>
+        <p:nvPr/>
+      </p:nvGrpSpPr>
+      <p:grpSpPr>
+        <a:xfrm>
+          <a:off x="0" y="0"/>
+          <a:ext cx="0" cy="0"/>
+          <a:chOff x="0" y="0"/>
+          <a:chExt cx="0" cy="0"/>
+        </a:xfrm>
+      </p:grpSpPr>
+      <mc:AlternateContent xmlns:mc="http://schemas.openxmlformats.org/markup-compatibility/2006">
+        <mc:Choice xmlns:a14="http://schemas.microsoft.com/office/drawing/2010/main" Requires="a14">
+          <p:sp>
+            <p:nvSpPr>
+              <p:cNvPr id="2" name="Title 1">
+                <a:extLst>
+                  <a:ext uri="{FF2B5EF4-FFF2-40B4-BE49-F238E27FC236}">
+                    <a16:creationId xmlns:a16="http://schemas.microsoft.com/office/drawing/2014/main" id="{E1113156-3ADB-B849-9F02-978AE098D2C1}"/>
+                  </a:ext>
+                </a:extLst>
+              </p:cNvPr>
+              <p:cNvSpPr>
+                <a:spLocks noGrp="1"/>
+              </p:cNvSpPr>
+              <p:nvPr>
+                <p:ph type="title"/>
+              </p:nvPr>
+            </p:nvSpPr>
+            <p:spPr/>
+            <p:txBody>
+              <a:bodyPr/>
+              <a:lstStyle/>
+              <a:p>
+                <a:r>
+                  <a:rPr lang="en-US" dirty="0"/>
+                  <a:t>Sampling distribution of </a:t>
+                </a:r>
+                <a14:m>
+                  <m:oMath xmlns:m="http://schemas.openxmlformats.org/officeDocument/2006/math">
+                    <m:sSub>
+                      <m:sSubPr>
+                        <m:ctrlPr>
+                          <a:rPr lang="en-US" b="0" i="1" dirty="0" smtClean="0">
+                            <a:latin typeface="Cambria Math" panose="02040503050406030204" pitchFamily="18" charset="0"/>
+                          </a:rPr>
+                        </m:ctrlPr>
+                      </m:sSubPr>
+                      <m:e>
+                        <m:acc>
+                          <m:accPr>
+                            <m:chr m:val="̂"/>
+                            <m:ctrlPr>
+                              <a:rPr lang="en-US" b="0" i="1" smtClean="0">
+                                <a:latin typeface="Cambria Math" panose="02040503050406030204" pitchFamily="18" charset="0"/>
+                              </a:rPr>
+                            </m:ctrlPr>
+                          </m:accPr>
+                          <m:e>
+                            <m:r>
+                              <a:rPr lang="en-US" b="0" i="1" smtClean="0">
+                                <a:latin typeface="Cambria Math" panose="02040503050406030204" pitchFamily="18" charset="0"/>
+                              </a:rPr>
+                              <m:t>𝛽</m:t>
+                            </m:r>
+                          </m:e>
+                        </m:acc>
+                      </m:e>
+                      <m:sub>
+                        <m:r>
+                          <a:rPr lang="en-US" b="0" i="1" dirty="0" smtClean="0">
+                            <a:latin typeface="Cambria Math" panose="02040503050406030204" pitchFamily="18" charset="0"/>
+                          </a:rPr>
+                          <m:t>1</m:t>
+                        </m:r>
+                      </m:sub>
+                    </m:sSub>
+                  </m:oMath>
+                </a14:m>
+                <a:endParaRPr lang="en-US" dirty="0"/>
+              </a:p>
+            </p:txBody>
+          </p:sp>
+        </mc:Choice>
+        <mc:Fallback>
+          <p:sp>
+            <p:nvSpPr>
+              <p:cNvPr id="2" name="Title 1">
+                <a:extLst>
+                  <a:ext uri="{FF2B5EF4-FFF2-40B4-BE49-F238E27FC236}">
+                    <a16:creationId xmlns:a16="http://schemas.microsoft.com/office/drawing/2014/main" id="{E1113156-3ADB-B849-9F02-978AE098D2C1}"/>
+                  </a:ext>
+                </a:extLst>
+              </p:cNvPr>
+              <p:cNvSpPr>
+                <a:spLocks noGrp="1" noRot="1" noChangeAspect="1" noMove="1" noResize="1" noEditPoints="1" noAdjustHandles="1" noChangeArrowheads="1" noChangeShapeType="1" noTextEdit="1"/>
+              </p:cNvSpPr>
+              <p:nvPr>
+                <p:ph type="title"/>
+              </p:nvPr>
+            </p:nvSpPr>
+            <p:spPr>
+              <a:blipFill>
+                <a:blip r:embed="rId2"/>
+                <a:stretch>
+                  <a:fillRect l="-2292"/>
+                </a:stretch>
+              </a:blipFill>
+            </p:spPr>
+            <p:txBody>
+              <a:bodyPr/>
+              <a:lstStyle/>
+              <a:p>
+                <a:r>
+                  <a:rPr lang="en-US">
+                    <a:noFill/>
+                  </a:rPr>
+                  <a:t> </a:t>
+                </a:r>
+              </a:p>
+            </p:txBody>
+          </p:sp>
+        </mc:Fallback>
+      </mc:AlternateContent>
+      <mc:AlternateContent xmlns:mc="http://schemas.openxmlformats.org/markup-compatibility/2006">
+        <mc:Choice xmlns:a14="http://schemas.microsoft.com/office/drawing/2010/main" Requires="a14">
+          <p:sp>
+            <p:nvSpPr>
+              <p:cNvPr id="3" name="Content Placeholder 2">
+                <a:extLst>
+                  <a:ext uri="{FF2B5EF4-FFF2-40B4-BE49-F238E27FC236}">
+                    <a16:creationId xmlns:a16="http://schemas.microsoft.com/office/drawing/2014/main" id="{A8C856AA-1882-124E-B35D-0DA8C694E016}"/>
+                  </a:ext>
+                </a:extLst>
+              </p:cNvPr>
+              <p:cNvSpPr>
+                <a:spLocks noGrp="1"/>
+              </p:cNvSpPr>
+              <p:nvPr>
+                <p:ph idx="1"/>
+              </p:nvPr>
+            </p:nvSpPr>
+            <p:spPr/>
+            <p:txBody>
+              <a:bodyPr/>
+              <a:lstStyle/>
+              <a:p>
+                <a:r>
+                  <a:rPr lang="en-US" dirty="0"/>
+                  <a:t>Test statistic: </a:t>
+                </a:r>
+                <a14:m>
+                  <m:oMath xmlns:m="http://schemas.openxmlformats.org/officeDocument/2006/math">
+                    <m:sSub>
+                      <m:sSubPr>
+                        <m:ctrlPr>
+                          <a:rPr lang="en-US" i="1" dirty="0">
+                            <a:latin typeface="Cambria Math" panose="02040503050406030204" pitchFamily="18" charset="0"/>
+                          </a:rPr>
+                        </m:ctrlPr>
+                      </m:sSubPr>
+                      <m:e>
+                        <m:acc>
+                          <m:accPr>
+                            <m:chr m:val="̂"/>
+                            <m:ctrlPr>
+                              <a:rPr lang="en-US" i="1">
+                                <a:latin typeface="Cambria Math" panose="02040503050406030204" pitchFamily="18" charset="0"/>
+                              </a:rPr>
+                            </m:ctrlPr>
+                          </m:accPr>
+                          <m:e>
+                            <m:r>
+                              <a:rPr lang="en-US" i="1">
+                                <a:latin typeface="Cambria Math" panose="02040503050406030204" pitchFamily="18" charset="0"/>
+                              </a:rPr>
+                              <m:t>𝛽</m:t>
+                            </m:r>
+                          </m:e>
+                        </m:acc>
+                      </m:e>
+                      <m:sub>
+                        <m:r>
+                          <a:rPr lang="en-US" i="1" dirty="0">
+                            <a:latin typeface="Cambria Math" panose="02040503050406030204" pitchFamily="18" charset="0"/>
+                          </a:rPr>
+                          <m:t>1</m:t>
+                        </m:r>
+                      </m:sub>
+                    </m:sSub>
+                    <m:r>
+                      <a:rPr lang="en-US" b="0" i="1" dirty="0" smtClean="0">
+                        <a:latin typeface="Cambria Math" panose="02040503050406030204" pitchFamily="18" charset="0"/>
+                      </a:rPr>
+                      <m:t>=</m:t>
+                    </m:r>
+                    <m:sSub>
+                      <m:sSubPr>
+                        <m:ctrlPr>
+                          <a:rPr lang="en-US" b="0" i="1" dirty="0" smtClean="0">
+                            <a:latin typeface="Cambria Math" panose="02040503050406030204" pitchFamily="18" charset="0"/>
+                          </a:rPr>
+                        </m:ctrlPr>
+                      </m:sSubPr>
+                      <m:e>
+                        <m:r>
+                          <a:rPr lang="en-US" b="0" i="1" dirty="0" smtClean="0">
+                            <a:latin typeface="Cambria Math" panose="02040503050406030204" pitchFamily="18" charset="0"/>
+                          </a:rPr>
+                          <m:t>𝑆</m:t>
+                        </m:r>
+                      </m:e>
+                      <m:sub>
+                        <m:r>
+                          <a:rPr lang="en-US" b="0" i="1" dirty="0" smtClean="0">
+                            <a:latin typeface="Cambria Math" panose="02040503050406030204" pitchFamily="18" charset="0"/>
+                          </a:rPr>
+                          <m:t>𝑥𝑦</m:t>
+                        </m:r>
+                      </m:sub>
+                    </m:sSub>
+                    <m:r>
+                      <a:rPr lang="en-US" b="0" i="1" dirty="0" smtClean="0">
+                        <a:latin typeface="Cambria Math" panose="02040503050406030204" pitchFamily="18" charset="0"/>
+                      </a:rPr>
+                      <m:t>/</m:t>
+                    </m:r>
+                    <m:sSub>
+                      <m:sSubPr>
+                        <m:ctrlPr>
+                          <a:rPr lang="en-US" b="0" i="1" dirty="0" smtClean="0">
+                            <a:latin typeface="Cambria Math" panose="02040503050406030204" pitchFamily="18" charset="0"/>
+                          </a:rPr>
+                        </m:ctrlPr>
+                      </m:sSubPr>
+                      <m:e>
+                        <m:r>
+                          <a:rPr lang="en-US" b="0" i="1" dirty="0" smtClean="0">
+                            <a:latin typeface="Cambria Math" panose="02040503050406030204" pitchFamily="18" charset="0"/>
+                          </a:rPr>
+                          <m:t>𝑆</m:t>
+                        </m:r>
+                      </m:e>
+                      <m:sub>
+                        <m:r>
+                          <a:rPr lang="en-US" b="0" i="1" dirty="0" smtClean="0">
+                            <a:latin typeface="Cambria Math" panose="02040503050406030204" pitchFamily="18" charset="0"/>
+                          </a:rPr>
+                          <m:t>𝑥𝑥</m:t>
+                        </m:r>
+                      </m:sub>
+                    </m:sSub>
+                  </m:oMath>
+                </a14:m>
+                <a:endParaRPr lang="en-US" dirty="0"/>
+              </a:p>
+              <a:p>
+                <a:r>
+                  <a:rPr lang="en-US" dirty="0"/>
+                  <a:t>Sampling distribution: </a:t>
+                </a:r>
+              </a:p>
+              <a:p>
+                <a:pPr lvl="1"/>
+                <a:r>
+                  <a:rPr lang="en-US" dirty="0"/>
+                  <a:t>Assuming </a:t>
+                </a:r>
+                <a14:m>
+                  <m:oMath xmlns:m="http://schemas.openxmlformats.org/officeDocument/2006/math">
+                    <m:sSub>
+                      <m:sSubPr>
+                        <m:ctrlPr>
+                          <a:rPr lang="en-US" b="0" i="1" smtClean="0">
+                            <a:latin typeface="Cambria Math" panose="02040503050406030204" pitchFamily="18" charset="0"/>
+                          </a:rPr>
+                        </m:ctrlPr>
+                      </m:sSubPr>
+                      <m:e>
+                        <m:r>
+                          <a:rPr lang="en-US" b="0" i="1" smtClean="0">
+                            <a:latin typeface="Cambria Math" panose="02040503050406030204" pitchFamily="18" charset="0"/>
+                          </a:rPr>
+                          <m:t>𝜖</m:t>
+                        </m:r>
+                      </m:e>
+                      <m:sub>
+                        <m:r>
+                          <a:rPr lang="en-US" b="0" i="1" smtClean="0">
+                            <a:latin typeface="Cambria Math" panose="02040503050406030204" pitchFamily="18" charset="0"/>
+                          </a:rPr>
+                          <m:t>𝑖</m:t>
+                        </m:r>
+                      </m:sub>
+                    </m:sSub>
+                    <m:r>
+                      <a:rPr lang="en-US" b="0" i="1" smtClean="0">
+                        <a:latin typeface="Cambria Math" panose="02040503050406030204" pitchFamily="18" charset="0"/>
+                      </a:rPr>
+                      <m:t>~</m:t>
+                    </m:r>
+                    <m:r>
+                      <a:rPr lang="en-US" b="0" i="1" smtClean="0">
+                        <a:latin typeface="Cambria Math" panose="02040503050406030204" pitchFamily="18" charset="0"/>
+                      </a:rPr>
+                      <m:t>𝑁𝐼𝐷</m:t>
+                    </m:r>
+                    <m:d>
+                      <m:dPr>
+                        <m:ctrlPr>
+                          <a:rPr lang="en-US" b="0" i="1" smtClean="0">
+                            <a:latin typeface="Cambria Math" panose="02040503050406030204" pitchFamily="18" charset="0"/>
+                          </a:rPr>
+                        </m:ctrlPr>
+                      </m:dPr>
+                      <m:e>
+                        <m:r>
+                          <a:rPr lang="en-US" b="0" i="1" smtClean="0">
+                            <a:latin typeface="Cambria Math" panose="02040503050406030204" pitchFamily="18" charset="0"/>
+                          </a:rPr>
+                          <m:t>0, </m:t>
+                        </m:r>
+                        <m:sSup>
+                          <m:sSupPr>
+                            <m:ctrlPr>
+                              <a:rPr lang="en-US" b="0" i="1" smtClean="0">
+                                <a:latin typeface="Cambria Math" panose="02040503050406030204" pitchFamily="18" charset="0"/>
+                              </a:rPr>
+                            </m:ctrlPr>
+                          </m:sSupPr>
+                          <m:e>
+                            <m:r>
+                              <a:rPr lang="en-US" b="0" i="1" smtClean="0">
+                                <a:latin typeface="Cambria Math" panose="02040503050406030204" pitchFamily="18" charset="0"/>
+                              </a:rPr>
+                              <m:t>𝜎</m:t>
+                            </m:r>
+                          </m:e>
+                          <m:sup>
+                            <m:r>
+                              <a:rPr lang="en-US" b="0" i="1" smtClean="0">
+                                <a:latin typeface="Cambria Math" panose="02040503050406030204" pitchFamily="18" charset="0"/>
+                              </a:rPr>
+                              <m:t>2</m:t>
+                            </m:r>
+                          </m:sup>
+                        </m:sSup>
+                      </m:e>
+                    </m:d>
+                  </m:oMath>
+                </a14:m>
+                <a:r>
+                  <a:rPr lang="en-US" dirty="0"/>
+                  <a:t>, then </a:t>
+                </a:r>
+                <a14:m>
+                  <m:oMath xmlns:m="http://schemas.openxmlformats.org/officeDocument/2006/math">
+                    <m:acc>
+                      <m:accPr>
+                        <m:chr m:val="̂"/>
+                        <m:ctrlPr>
+                          <a:rPr lang="en-US" i="1">
+                            <a:latin typeface="Cambria Math" panose="02040503050406030204" pitchFamily="18" charset="0"/>
+                          </a:rPr>
+                        </m:ctrlPr>
+                      </m:accPr>
+                      <m:e>
+                        <m:r>
+                          <a:rPr lang="en-US" i="1">
+                            <a:latin typeface="Cambria Math" panose="02040503050406030204" pitchFamily="18" charset="0"/>
+                          </a:rPr>
+                          <m:t>𝛽</m:t>
+                        </m:r>
+                      </m:e>
+                    </m:acc>
+                    <m:r>
+                      <a:rPr lang="en-US" b="0" i="1" smtClean="0">
+                        <a:latin typeface="Cambria Math" panose="02040503050406030204" pitchFamily="18" charset="0"/>
+                      </a:rPr>
+                      <m:t>~</m:t>
+                    </m:r>
+                    <m:r>
+                      <a:rPr lang="en-US" b="0" i="1" smtClean="0">
+                        <a:latin typeface="Cambria Math" panose="02040503050406030204" pitchFamily="18" charset="0"/>
+                      </a:rPr>
+                      <m:t>𝑁</m:t>
+                    </m:r>
+                    <m:d>
+                      <m:dPr>
+                        <m:ctrlPr>
+                          <a:rPr lang="en-US" b="0" i="1" smtClean="0">
+                            <a:latin typeface="Cambria Math" panose="02040503050406030204" pitchFamily="18" charset="0"/>
+                          </a:rPr>
+                        </m:ctrlPr>
+                      </m:dPr>
+                      <m:e>
+                        <m:sSub>
+                          <m:sSubPr>
+                            <m:ctrlPr>
+                              <a:rPr lang="en-US" b="0" i="1" smtClean="0">
+                                <a:latin typeface="Cambria Math" panose="02040503050406030204" pitchFamily="18" charset="0"/>
+                              </a:rPr>
+                            </m:ctrlPr>
+                          </m:sSubPr>
+                          <m:e>
+                            <m:r>
+                              <a:rPr lang="en-US" b="0" i="1" smtClean="0">
+                                <a:latin typeface="Cambria Math" panose="02040503050406030204" pitchFamily="18" charset="0"/>
+                              </a:rPr>
+                              <m:t>𝛽</m:t>
+                            </m:r>
+                          </m:e>
+                          <m:sub>
+                            <m:r>
+                              <a:rPr lang="en-US" b="0" i="1" smtClean="0">
+                                <a:latin typeface="Cambria Math" panose="02040503050406030204" pitchFamily="18" charset="0"/>
+                              </a:rPr>
+                              <m:t>1</m:t>
+                            </m:r>
+                          </m:sub>
+                        </m:sSub>
+                        <m:r>
+                          <a:rPr lang="en-US" b="0" i="1" smtClean="0">
+                            <a:latin typeface="Cambria Math" panose="02040503050406030204" pitchFamily="18" charset="0"/>
+                          </a:rPr>
+                          <m:t>,</m:t>
+                        </m:r>
+                        <m:sSup>
+                          <m:sSupPr>
+                            <m:ctrlPr>
+                              <a:rPr lang="en-US" b="0" i="1" smtClean="0">
+                                <a:latin typeface="Cambria Math" panose="02040503050406030204" pitchFamily="18" charset="0"/>
+                              </a:rPr>
+                            </m:ctrlPr>
+                          </m:sSupPr>
+                          <m:e>
+                            <m:r>
+                              <a:rPr lang="en-US" b="0" i="1" smtClean="0">
+                                <a:latin typeface="Cambria Math" panose="02040503050406030204" pitchFamily="18" charset="0"/>
+                              </a:rPr>
+                              <m:t>𝜎</m:t>
+                            </m:r>
+                          </m:e>
+                          <m:sup>
+                            <m:r>
+                              <a:rPr lang="en-US" b="0" i="1" smtClean="0">
+                                <a:latin typeface="Cambria Math" panose="02040503050406030204" pitchFamily="18" charset="0"/>
+                              </a:rPr>
+                              <m:t>2</m:t>
+                            </m:r>
+                          </m:sup>
+                        </m:sSup>
+                        <m:r>
+                          <a:rPr lang="en-US" b="0" i="1" smtClean="0">
+                            <a:latin typeface="Cambria Math" panose="02040503050406030204" pitchFamily="18" charset="0"/>
+                          </a:rPr>
+                          <m:t>/</m:t>
+                        </m:r>
+                        <m:sSub>
+                          <m:sSubPr>
+                            <m:ctrlPr>
+                              <a:rPr lang="en-US" b="0" i="1" smtClean="0">
+                                <a:latin typeface="Cambria Math" panose="02040503050406030204" pitchFamily="18" charset="0"/>
+                              </a:rPr>
+                            </m:ctrlPr>
+                          </m:sSubPr>
+                          <m:e>
+                            <m:r>
+                              <a:rPr lang="en-US" b="0" i="1" smtClean="0">
+                                <a:latin typeface="Cambria Math" panose="02040503050406030204" pitchFamily="18" charset="0"/>
+                              </a:rPr>
+                              <m:t>𝑆</m:t>
+                            </m:r>
+                          </m:e>
+                          <m:sub>
+                            <m:r>
+                              <a:rPr lang="en-US" b="0" i="1" smtClean="0">
+                                <a:latin typeface="Cambria Math" panose="02040503050406030204" pitchFamily="18" charset="0"/>
+                              </a:rPr>
+                              <m:t>𝑥𝑥</m:t>
+                            </m:r>
+                          </m:sub>
+                        </m:sSub>
+                      </m:e>
+                    </m:d>
+                  </m:oMath>
+                </a14:m>
+                <a:endParaRPr lang="en-US" dirty="0"/>
+              </a:p>
+            </p:txBody>
+          </p:sp>
+        </mc:Choice>
+        <mc:Fallback>
+          <p:sp>
+            <p:nvSpPr>
+              <p:cNvPr id="3" name="Content Placeholder 2">
+                <a:extLst>
+                  <a:ext uri="{FF2B5EF4-FFF2-40B4-BE49-F238E27FC236}">
+                    <a16:creationId xmlns:a16="http://schemas.microsoft.com/office/drawing/2014/main" id="{A8C856AA-1882-124E-B35D-0DA8C694E016}"/>
+                  </a:ext>
+                </a:extLst>
+              </p:cNvPr>
+              <p:cNvSpPr>
+                <a:spLocks noGrp="1" noRot="1" noChangeAspect="1" noMove="1" noResize="1" noEditPoints="1" noAdjustHandles="1" noChangeArrowheads="1" noChangeShapeType="1" noTextEdit="1"/>
+              </p:cNvSpPr>
+              <p:nvPr>
+                <p:ph idx="1"/>
+              </p:nvPr>
+            </p:nvSpPr>
+            <p:spPr>
+              <a:blipFill>
+                <a:blip r:embed="rId3"/>
+                <a:stretch>
+                  <a:fillRect l="-965" t="-2047"/>
+                </a:stretch>
+              </a:blipFill>
+            </p:spPr>
+            <p:txBody>
+              <a:bodyPr/>
+              <a:lstStyle/>
+              <a:p>
+                <a:r>
+                  <a:rPr lang="en-US">
+                    <a:noFill/>
+                  </a:rPr>
+                  <a:t> </a:t>
+                </a:r>
+              </a:p>
+            </p:txBody>
+          </p:sp>
+        </mc:Fallback>
+      </mc:AlternateContent>
+    </p:spTree>
+    <p:extLst>
+      <p:ext uri="{BB962C8B-B14F-4D97-AF65-F5344CB8AC3E}">
+        <p14:creationId xmlns:p14="http://schemas.microsoft.com/office/powerpoint/2010/main" val="2439938548"/>
+      </p:ext>
+    </p:extLst>
+  </p:cSld>
+  <p:clrMapOvr>
+    <a:masterClrMapping/>
+  </p:clrMapOvr>
+</p:sld>
+</file>
+
+<file path=ppt/slides/slide11.xml><?xml version="1.0" encoding="utf-8"?>
+<p:sld xmlns:a="http://schemas.openxmlformats.org/drawingml/2006/main" xmlns:r="http://schemas.openxmlformats.org/officeDocument/2006/relationships" xmlns:p="http://schemas.openxmlformats.org/presentationml/2006/main">
+  <p:cSld>
+    <p:spTree>
+      <p:nvGrpSpPr>
+        <p:cNvPr id="1" name=""/>
+        <p:cNvGrpSpPr/>
+        <p:nvPr/>
+      </p:nvGrpSpPr>
+      <p:grpSpPr>
+        <a:xfrm>
+          <a:off x="0" y="0"/>
+          <a:ext cx="0" cy="0"/>
+          <a:chOff x="0" y="0"/>
+          <a:chExt cx="0" cy="0"/>
+        </a:xfrm>
+      </p:grpSpPr>
+      <mc:AlternateContent xmlns:mc="http://schemas.openxmlformats.org/markup-compatibility/2006">
+        <mc:Choice xmlns:a14="http://schemas.microsoft.com/office/drawing/2010/main" Requires="a14">
+          <p:sp>
+            <p:nvSpPr>
+              <p:cNvPr id="2" name="Title 1">
+                <a:extLst>
+                  <a:ext uri="{FF2B5EF4-FFF2-40B4-BE49-F238E27FC236}">
+                    <a16:creationId xmlns:a16="http://schemas.microsoft.com/office/drawing/2014/main" id="{E1113156-3ADB-B849-9F02-978AE098D2C1}"/>
+                  </a:ext>
+                </a:extLst>
+              </p:cNvPr>
+              <p:cNvSpPr>
+                <a:spLocks noGrp="1"/>
+              </p:cNvSpPr>
+              <p:nvPr>
+                <p:ph type="title"/>
+              </p:nvPr>
+            </p:nvSpPr>
+            <p:spPr/>
+            <p:txBody>
+              <a:bodyPr/>
+              <a:lstStyle/>
+              <a:p>
+                <a:r>
+                  <a:rPr lang="en-US" dirty="0"/>
+                  <a:t>Sampling distribution of </a:t>
+                </a:r>
+                <a14:m>
+                  <m:oMath xmlns:m="http://schemas.openxmlformats.org/officeDocument/2006/math">
+                    <m:sSub>
+                      <m:sSubPr>
+                        <m:ctrlPr>
+                          <a:rPr lang="en-US" b="0" i="1" dirty="0" smtClean="0">
+                            <a:latin typeface="Cambria Math" panose="02040503050406030204" pitchFamily="18" charset="0"/>
+                          </a:rPr>
+                        </m:ctrlPr>
+                      </m:sSubPr>
+                      <m:e>
+                        <m:acc>
+                          <m:accPr>
+                            <m:chr m:val="̂"/>
+                            <m:ctrlPr>
+                              <a:rPr lang="en-US" b="0" i="1" smtClean="0">
+                                <a:latin typeface="Cambria Math" panose="02040503050406030204" pitchFamily="18" charset="0"/>
+                              </a:rPr>
+                            </m:ctrlPr>
+                          </m:accPr>
+                          <m:e>
+                            <m:r>
+                              <a:rPr lang="en-US" b="0" i="1" smtClean="0">
+                                <a:latin typeface="Cambria Math" panose="02040503050406030204" pitchFamily="18" charset="0"/>
+                              </a:rPr>
+                              <m:t>𝛽</m:t>
+                            </m:r>
+                          </m:e>
+                        </m:acc>
+                      </m:e>
+                      <m:sub>
+                        <m:r>
+                          <a:rPr lang="en-US" b="0" i="1" dirty="0" smtClean="0">
+                            <a:latin typeface="Cambria Math" panose="02040503050406030204" pitchFamily="18" charset="0"/>
+                          </a:rPr>
+                          <m:t>1</m:t>
+                        </m:r>
+                      </m:sub>
+                    </m:sSub>
+                  </m:oMath>
+                </a14:m>
+                <a:endParaRPr lang="en-US" dirty="0"/>
+              </a:p>
+            </p:txBody>
+          </p:sp>
+        </mc:Choice>
+        <mc:Fallback>
+          <p:sp>
+            <p:nvSpPr>
+              <p:cNvPr id="2" name="Title 1">
+                <a:extLst>
+                  <a:ext uri="{FF2B5EF4-FFF2-40B4-BE49-F238E27FC236}">
+                    <a16:creationId xmlns:a16="http://schemas.microsoft.com/office/drawing/2014/main" id="{E1113156-3ADB-B849-9F02-978AE098D2C1}"/>
+                  </a:ext>
+                </a:extLst>
+              </p:cNvPr>
+              <p:cNvSpPr>
+                <a:spLocks noGrp="1" noRot="1" noChangeAspect="1" noMove="1" noResize="1" noEditPoints="1" noAdjustHandles="1" noChangeArrowheads="1" noChangeShapeType="1" noTextEdit="1"/>
+              </p:cNvSpPr>
+              <p:nvPr>
+                <p:ph type="title"/>
+              </p:nvPr>
+            </p:nvSpPr>
+            <p:spPr>
+              <a:blipFill>
+                <a:blip r:embed="rId2"/>
+                <a:stretch>
+                  <a:fillRect l="-2292"/>
+                </a:stretch>
+              </a:blipFill>
+            </p:spPr>
+            <p:txBody>
+              <a:bodyPr/>
+              <a:lstStyle/>
+              <a:p>
+                <a:r>
+                  <a:rPr lang="en-US">
+                    <a:noFill/>
+                  </a:rPr>
+                  <a:t> </a:t>
+                </a:r>
+              </a:p>
+            </p:txBody>
+          </p:sp>
+        </mc:Fallback>
+      </mc:AlternateContent>
+      <mc:AlternateContent xmlns:mc="http://schemas.openxmlformats.org/markup-compatibility/2006">
+        <mc:Choice xmlns:a14="http://schemas.microsoft.com/office/drawing/2010/main" Requires="a14">
+          <p:sp>
+            <p:nvSpPr>
+              <p:cNvPr id="3" name="Content Placeholder 2">
+                <a:extLst>
+                  <a:ext uri="{FF2B5EF4-FFF2-40B4-BE49-F238E27FC236}">
+                    <a16:creationId xmlns:a16="http://schemas.microsoft.com/office/drawing/2014/main" id="{A8C856AA-1882-124E-B35D-0DA8C694E016}"/>
+                  </a:ext>
+                </a:extLst>
+              </p:cNvPr>
+              <p:cNvSpPr>
+                <a:spLocks noGrp="1"/>
+              </p:cNvSpPr>
+              <p:nvPr>
+                <p:ph idx="1"/>
+              </p:nvPr>
+            </p:nvSpPr>
+            <p:spPr/>
+            <p:txBody>
+              <a:bodyPr/>
+              <a:lstStyle/>
+              <a:p>
+                <a:r>
+                  <a:rPr lang="en-US" dirty="0"/>
+                  <a:t>Test statistic: </a:t>
+                </a:r>
+                <a14:m>
+                  <m:oMath xmlns:m="http://schemas.openxmlformats.org/officeDocument/2006/math">
+                    <m:sSub>
+                      <m:sSubPr>
+                        <m:ctrlPr>
+                          <a:rPr lang="en-US" i="1" dirty="0">
+                            <a:latin typeface="Cambria Math" panose="02040503050406030204" pitchFamily="18" charset="0"/>
+                          </a:rPr>
+                        </m:ctrlPr>
+                      </m:sSubPr>
+                      <m:e>
+                        <m:acc>
+                          <m:accPr>
+                            <m:chr m:val="̂"/>
+                            <m:ctrlPr>
+                              <a:rPr lang="en-US" i="1">
+                                <a:latin typeface="Cambria Math" panose="02040503050406030204" pitchFamily="18" charset="0"/>
+                              </a:rPr>
+                            </m:ctrlPr>
+                          </m:accPr>
+                          <m:e>
+                            <m:r>
+                              <a:rPr lang="en-US" i="1">
+                                <a:latin typeface="Cambria Math" panose="02040503050406030204" pitchFamily="18" charset="0"/>
+                              </a:rPr>
+                              <m:t>𝛽</m:t>
+                            </m:r>
+                          </m:e>
+                        </m:acc>
+                      </m:e>
+                      <m:sub>
+                        <m:r>
+                          <a:rPr lang="en-US" i="1" dirty="0">
+                            <a:latin typeface="Cambria Math" panose="02040503050406030204" pitchFamily="18" charset="0"/>
+                          </a:rPr>
+                          <m:t>1</m:t>
+                        </m:r>
+                      </m:sub>
+                    </m:sSub>
+                    <m:r>
+                      <a:rPr lang="en-US" b="0" i="1" dirty="0" smtClean="0">
+                        <a:latin typeface="Cambria Math" panose="02040503050406030204" pitchFamily="18" charset="0"/>
+                      </a:rPr>
+                      <m:t>=</m:t>
+                    </m:r>
+                    <m:sSub>
+                      <m:sSubPr>
+                        <m:ctrlPr>
+                          <a:rPr lang="en-US" b="0" i="1" dirty="0" smtClean="0">
+                            <a:latin typeface="Cambria Math" panose="02040503050406030204" pitchFamily="18" charset="0"/>
+                          </a:rPr>
+                        </m:ctrlPr>
+                      </m:sSubPr>
+                      <m:e>
+                        <m:r>
+                          <a:rPr lang="en-US" b="0" i="1" dirty="0" smtClean="0">
+                            <a:latin typeface="Cambria Math" panose="02040503050406030204" pitchFamily="18" charset="0"/>
+                          </a:rPr>
+                          <m:t>𝑆</m:t>
+                        </m:r>
+                      </m:e>
+                      <m:sub>
+                        <m:r>
+                          <a:rPr lang="en-US" b="0" i="1" dirty="0" smtClean="0">
+                            <a:latin typeface="Cambria Math" panose="02040503050406030204" pitchFamily="18" charset="0"/>
+                          </a:rPr>
+                          <m:t>𝑥𝑦</m:t>
+                        </m:r>
+                      </m:sub>
+                    </m:sSub>
+                    <m:r>
+                      <a:rPr lang="en-US" b="0" i="1" dirty="0" smtClean="0">
+                        <a:latin typeface="Cambria Math" panose="02040503050406030204" pitchFamily="18" charset="0"/>
+                      </a:rPr>
+                      <m:t>/</m:t>
+                    </m:r>
+                    <m:sSub>
+                      <m:sSubPr>
+                        <m:ctrlPr>
+                          <a:rPr lang="en-US" b="0" i="1" dirty="0" smtClean="0">
+                            <a:latin typeface="Cambria Math" panose="02040503050406030204" pitchFamily="18" charset="0"/>
+                          </a:rPr>
+                        </m:ctrlPr>
+                      </m:sSubPr>
+                      <m:e>
+                        <m:r>
+                          <a:rPr lang="en-US" b="0" i="1" dirty="0" smtClean="0">
+                            <a:latin typeface="Cambria Math" panose="02040503050406030204" pitchFamily="18" charset="0"/>
+                          </a:rPr>
+                          <m:t>𝑆</m:t>
+                        </m:r>
+                      </m:e>
+                      <m:sub>
+                        <m:r>
+                          <a:rPr lang="en-US" b="0" i="1" dirty="0" smtClean="0">
+                            <a:latin typeface="Cambria Math" panose="02040503050406030204" pitchFamily="18" charset="0"/>
+                          </a:rPr>
+                          <m:t>𝑥𝑥</m:t>
+                        </m:r>
+                      </m:sub>
+                    </m:sSub>
+                  </m:oMath>
+                </a14:m>
+                <a:endParaRPr lang="en-US" dirty="0"/>
+              </a:p>
+              <a:p>
+                <a:r>
+                  <a:rPr lang="en-US" dirty="0"/>
+                  <a:t>Sampling distribution: </a:t>
+                </a:r>
+              </a:p>
+              <a:p>
+                <a:pPr lvl="1"/>
+                <a:r>
+                  <a:rPr lang="en-US" dirty="0"/>
+                  <a:t>Assuming </a:t>
+                </a:r>
+                <a14:m>
+                  <m:oMath xmlns:m="http://schemas.openxmlformats.org/officeDocument/2006/math">
+                    <m:sSub>
+                      <m:sSubPr>
+                        <m:ctrlPr>
+                          <a:rPr lang="en-US" b="0" i="1" smtClean="0">
+                            <a:latin typeface="Cambria Math" panose="02040503050406030204" pitchFamily="18" charset="0"/>
+                          </a:rPr>
+                        </m:ctrlPr>
+                      </m:sSubPr>
+                      <m:e>
+                        <m:r>
+                          <a:rPr lang="en-US" b="0" i="1" smtClean="0">
+                            <a:latin typeface="Cambria Math" panose="02040503050406030204" pitchFamily="18" charset="0"/>
+                          </a:rPr>
+                          <m:t>𝜖</m:t>
+                        </m:r>
+                      </m:e>
+                      <m:sub>
+                        <m:r>
+                          <a:rPr lang="en-US" b="0" i="1" smtClean="0">
+                            <a:latin typeface="Cambria Math" panose="02040503050406030204" pitchFamily="18" charset="0"/>
+                          </a:rPr>
+                          <m:t>𝑖</m:t>
+                        </m:r>
+                      </m:sub>
+                    </m:sSub>
+                    <m:r>
+                      <a:rPr lang="en-US" b="0" i="1" smtClean="0">
+                        <a:latin typeface="Cambria Math" panose="02040503050406030204" pitchFamily="18" charset="0"/>
+                      </a:rPr>
+                      <m:t>~</m:t>
+                    </m:r>
+                    <m:r>
+                      <a:rPr lang="en-US" b="0" i="1" smtClean="0">
+                        <a:latin typeface="Cambria Math" panose="02040503050406030204" pitchFamily="18" charset="0"/>
+                      </a:rPr>
+                      <m:t>𝑁𝐼𝐷</m:t>
+                    </m:r>
+                    <m:d>
+                      <m:dPr>
+                        <m:ctrlPr>
+                          <a:rPr lang="en-US" b="0" i="1" smtClean="0">
+                            <a:latin typeface="Cambria Math" panose="02040503050406030204" pitchFamily="18" charset="0"/>
+                          </a:rPr>
+                        </m:ctrlPr>
+                      </m:dPr>
+                      <m:e>
+                        <m:r>
+                          <a:rPr lang="en-US" b="0" i="1" smtClean="0">
+                            <a:latin typeface="Cambria Math" panose="02040503050406030204" pitchFamily="18" charset="0"/>
+                          </a:rPr>
+                          <m:t>0, </m:t>
+                        </m:r>
+                        <m:sSup>
+                          <m:sSupPr>
+                            <m:ctrlPr>
+                              <a:rPr lang="en-US" b="0" i="1" smtClean="0">
+                                <a:latin typeface="Cambria Math" panose="02040503050406030204" pitchFamily="18" charset="0"/>
+                              </a:rPr>
+                            </m:ctrlPr>
+                          </m:sSupPr>
+                          <m:e>
+                            <m:r>
+                              <a:rPr lang="en-US" b="0" i="1" smtClean="0">
+                                <a:latin typeface="Cambria Math" panose="02040503050406030204" pitchFamily="18" charset="0"/>
+                              </a:rPr>
+                              <m:t>𝜎</m:t>
+                            </m:r>
+                          </m:e>
+                          <m:sup>
+                            <m:r>
+                              <a:rPr lang="en-US" b="0" i="1" smtClean="0">
+                                <a:latin typeface="Cambria Math" panose="02040503050406030204" pitchFamily="18" charset="0"/>
+                              </a:rPr>
+                              <m:t>2</m:t>
+                            </m:r>
+                          </m:sup>
+                        </m:sSup>
+                      </m:e>
+                    </m:d>
+                  </m:oMath>
+                </a14:m>
+                <a:r>
+                  <a:rPr lang="en-US" dirty="0"/>
+                  <a:t>, then </a:t>
+                </a:r>
+                <a14:m>
+                  <m:oMath xmlns:m="http://schemas.openxmlformats.org/officeDocument/2006/math">
+                    <m:acc>
+                      <m:accPr>
+                        <m:chr m:val="̂"/>
+                        <m:ctrlPr>
+                          <a:rPr lang="en-US" i="1">
+                            <a:latin typeface="Cambria Math" panose="02040503050406030204" pitchFamily="18" charset="0"/>
+                          </a:rPr>
+                        </m:ctrlPr>
+                      </m:accPr>
+                      <m:e>
+                        <m:r>
+                          <a:rPr lang="en-US" i="1">
+                            <a:latin typeface="Cambria Math" panose="02040503050406030204" pitchFamily="18" charset="0"/>
+                          </a:rPr>
+                          <m:t>𝛽</m:t>
+                        </m:r>
+                      </m:e>
+                    </m:acc>
+                    <m:r>
+                      <a:rPr lang="en-US" b="0" i="1" smtClean="0">
+                        <a:latin typeface="Cambria Math" panose="02040503050406030204" pitchFamily="18" charset="0"/>
+                      </a:rPr>
+                      <m:t>~</m:t>
+                    </m:r>
+                    <m:r>
+                      <a:rPr lang="en-US" b="0" i="1" smtClean="0">
+                        <a:latin typeface="Cambria Math" panose="02040503050406030204" pitchFamily="18" charset="0"/>
+                      </a:rPr>
+                      <m:t>𝑁</m:t>
+                    </m:r>
+                    <m:d>
+                      <m:dPr>
+                        <m:ctrlPr>
+                          <a:rPr lang="en-US" b="0" i="1" smtClean="0">
+                            <a:latin typeface="Cambria Math" panose="02040503050406030204" pitchFamily="18" charset="0"/>
+                          </a:rPr>
+                        </m:ctrlPr>
+                      </m:dPr>
+                      <m:e>
+                        <m:sSub>
+                          <m:sSubPr>
+                            <m:ctrlPr>
+                              <a:rPr lang="en-US" b="0" i="1" smtClean="0">
+                                <a:latin typeface="Cambria Math" panose="02040503050406030204" pitchFamily="18" charset="0"/>
+                              </a:rPr>
+                            </m:ctrlPr>
+                          </m:sSubPr>
+                          <m:e>
+                            <m:r>
+                              <a:rPr lang="en-US" b="0" i="1" smtClean="0">
+                                <a:latin typeface="Cambria Math" panose="02040503050406030204" pitchFamily="18" charset="0"/>
+                              </a:rPr>
+                              <m:t>𝛽</m:t>
+                            </m:r>
+                          </m:e>
+                          <m:sub>
+                            <m:r>
+                              <a:rPr lang="en-US" b="0" i="1" smtClean="0">
+                                <a:latin typeface="Cambria Math" panose="02040503050406030204" pitchFamily="18" charset="0"/>
+                              </a:rPr>
+                              <m:t>1</m:t>
+                            </m:r>
+                          </m:sub>
+                        </m:sSub>
+                        <m:r>
+                          <a:rPr lang="en-US" b="0" i="1" smtClean="0">
+                            <a:latin typeface="Cambria Math" panose="02040503050406030204" pitchFamily="18" charset="0"/>
+                          </a:rPr>
+                          <m:t>,</m:t>
+                        </m:r>
+                        <m:sSup>
+                          <m:sSupPr>
+                            <m:ctrlPr>
+                              <a:rPr lang="en-US" b="0" i="1" smtClean="0">
+                                <a:latin typeface="Cambria Math" panose="02040503050406030204" pitchFamily="18" charset="0"/>
+                              </a:rPr>
+                            </m:ctrlPr>
+                          </m:sSupPr>
+                          <m:e>
+                            <m:r>
+                              <a:rPr lang="en-US" b="0" i="1" smtClean="0">
+                                <a:latin typeface="Cambria Math" panose="02040503050406030204" pitchFamily="18" charset="0"/>
+                              </a:rPr>
+                              <m:t>𝜎</m:t>
+                            </m:r>
+                          </m:e>
+                          <m:sup>
+                            <m:r>
+                              <a:rPr lang="en-US" b="0" i="1" smtClean="0">
+                                <a:latin typeface="Cambria Math" panose="02040503050406030204" pitchFamily="18" charset="0"/>
+                              </a:rPr>
+                              <m:t>2</m:t>
+                            </m:r>
+                          </m:sup>
+                        </m:sSup>
+                        <m:r>
+                          <a:rPr lang="en-US" b="0" i="1" smtClean="0">
+                            <a:latin typeface="Cambria Math" panose="02040503050406030204" pitchFamily="18" charset="0"/>
+                          </a:rPr>
+                          <m:t>/</m:t>
+                        </m:r>
+                        <m:sSub>
+                          <m:sSubPr>
+                            <m:ctrlPr>
+                              <a:rPr lang="en-US" b="0" i="1" smtClean="0">
+                                <a:latin typeface="Cambria Math" panose="02040503050406030204" pitchFamily="18" charset="0"/>
+                              </a:rPr>
+                            </m:ctrlPr>
+                          </m:sSubPr>
+                          <m:e>
+                            <m:r>
+                              <a:rPr lang="en-US" b="0" i="1" smtClean="0">
+                                <a:latin typeface="Cambria Math" panose="02040503050406030204" pitchFamily="18" charset="0"/>
+                              </a:rPr>
+                              <m:t>𝑆</m:t>
+                            </m:r>
+                          </m:e>
+                          <m:sub>
+                            <m:r>
+                              <a:rPr lang="en-US" b="0" i="1" smtClean="0">
+                                <a:latin typeface="Cambria Math" panose="02040503050406030204" pitchFamily="18" charset="0"/>
+                              </a:rPr>
+                              <m:t>𝑥𝑥</m:t>
+                            </m:r>
+                          </m:sub>
+                        </m:sSub>
+                      </m:e>
+                    </m:d>
+                  </m:oMath>
+                </a14:m>
+                <a:endParaRPr lang="en-US" dirty="0"/>
+              </a:p>
+              <a:p>
+                <a:r>
+                  <a:rPr lang="en-US" dirty="0"/>
+                  <a:t>How do we estimate </a:t>
+                </a:r>
+                <a14:m>
+                  <m:oMath xmlns:m="http://schemas.openxmlformats.org/officeDocument/2006/math">
+                    <m:sSup>
+                      <m:sSupPr>
+                        <m:ctrlPr>
+                          <a:rPr lang="en-US" i="1">
+                            <a:latin typeface="Cambria Math" panose="02040503050406030204" pitchFamily="18" charset="0"/>
+                          </a:rPr>
+                        </m:ctrlPr>
+                      </m:sSupPr>
+                      <m:e>
+                        <m:r>
+                          <a:rPr lang="en-US" i="1">
+                            <a:latin typeface="Cambria Math" panose="02040503050406030204" pitchFamily="18" charset="0"/>
+                          </a:rPr>
+                          <m:t>𝜎</m:t>
+                        </m:r>
+                      </m:e>
+                      <m:sup>
+                        <m:r>
+                          <a:rPr lang="en-US" i="1">
+                            <a:latin typeface="Cambria Math" panose="02040503050406030204" pitchFamily="18" charset="0"/>
+                          </a:rPr>
+                          <m:t>2</m:t>
+                        </m:r>
+                      </m:sup>
+                    </m:sSup>
+                  </m:oMath>
+                </a14:m>
+                <a:r>
+                  <a:rPr lang="en-US" dirty="0"/>
+                  <a:t>?</a:t>
+                </a:r>
+              </a:p>
+              <a:p>
+                <a:pPr lvl="1"/>
+                <a14:m>
+                  <m:oMath xmlns:m="http://schemas.openxmlformats.org/officeDocument/2006/math">
+                    <m:sSup>
+                      <m:sSupPr>
+                        <m:ctrlPr>
+                          <a:rPr lang="en-US" b="0" i="1" dirty="0" smtClean="0">
+                            <a:latin typeface="Cambria Math" panose="02040503050406030204" pitchFamily="18" charset="0"/>
+                          </a:rPr>
+                        </m:ctrlPr>
+                      </m:sSupPr>
+                      <m:e>
+                        <m:acc>
+                          <m:accPr>
+                            <m:chr m:val="̂"/>
+                            <m:ctrlPr>
+                              <a:rPr lang="en-US" b="0" i="1" smtClean="0">
+                                <a:latin typeface="Cambria Math" panose="02040503050406030204" pitchFamily="18" charset="0"/>
+                              </a:rPr>
+                            </m:ctrlPr>
+                          </m:accPr>
+                          <m:e>
+                            <m:r>
+                              <a:rPr lang="en-US" b="0" i="1" smtClean="0">
+                                <a:latin typeface="Cambria Math" panose="02040503050406030204" pitchFamily="18" charset="0"/>
+                              </a:rPr>
+                              <m:t>𝜎</m:t>
+                            </m:r>
+                          </m:e>
+                        </m:acc>
+                      </m:e>
+                      <m:sup>
+                        <m:r>
+                          <a:rPr lang="en-US" b="0" i="1" dirty="0" smtClean="0">
+                            <a:latin typeface="Cambria Math" panose="02040503050406030204" pitchFamily="18" charset="0"/>
+                          </a:rPr>
+                          <m:t>2</m:t>
+                        </m:r>
+                      </m:sup>
+                    </m:sSup>
+                    <m:r>
+                      <a:rPr lang="en-US" b="0" i="1" dirty="0" smtClean="0">
+                        <a:latin typeface="Cambria Math" panose="02040503050406030204" pitchFamily="18" charset="0"/>
+                      </a:rPr>
+                      <m:t>=</m:t>
+                    </m:r>
+                    <m:nary>
+                      <m:naryPr>
+                        <m:chr m:val="∑"/>
+                        <m:limLoc m:val="subSup"/>
+                        <m:ctrlPr>
+                          <a:rPr lang="en-US" i="1" dirty="0">
+                            <a:latin typeface="Cambria Math" panose="02040503050406030204" pitchFamily="18" charset="0"/>
+                          </a:rPr>
+                        </m:ctrlPr>
+                      </m:naryPr>
+                      <m:sub>
+                        <m:r>
+                          <m:rPr>
+                            <m:brk m:alnAt="25"/>
+                          </m:rPr>
+                          <a:rPr lang="en-US" i="1" dirty="0">
+                            <a:latin typeface="Cambria Math" panose="02040503050406030204" pitchFamily="18" charset="0"/>
+                          </a:rPr>
+                          <m:t>𝑖</m:t>
+                        </m:r>
+                        <m:r>
+                          <a:rPr lang="en-US" i="1" dirty="0">
+                            <a:latin typeface="Cambria Math" panose="02040503050406030204" pitchFamily="18" charset="0"/>
+                          </a:rPr>
+                          <m:t>=1</m:t>
+                        </m:r>
+                      </m:sub>
+                      <m:sup>
+                        <m:r>
+                          <a:rPr lang="en-US" i="1" dirty="0">
+                            <a:latin typeface="Cambria Math" panose="02040503050406030204" pitchFamily="18" charset="0"/>
+                          </a:rPr>
+                          <m:t>𝑛</m:t>
+                        </m:r>
+                      </m:sup>
+                      <m:e>
+                        <m:sSubSup>
+                          <m:sSubSupPr>
+                            <m:ctrlPr>
+                              <a:rPr lang="en-US" i="1" dirty="0">
+                                <a:latin typeface="Cambria Math" panose="02040503050406030204" pitchFamily="18" charset="0"/>
+                              </a:rPr>
+                            </m:ctrlPr>
+                          </m:sSubSupPr>
+                          <m:e>
+                            <m:r>
+                              <a:rPr lang="en-US" i="1" dirty="0">
+                                <a:latin typeface="Cambria Math" panose="02040503050406030204" pitchFamily="18" charset="0"/>
+                              </a:rPr>
+                              <m:t>𝑒</m:t>
+                            </m:r>
+                          </m:e>
+                          <m:sub>
+                            <m:r>
+                              <a:rPr lang="en-US" i="1" dirty="0">
+                                <a:latin typeface="Cambria Math" panose="02040503050406030204" pitchFamily="18" charset="0"/>
+                              </a:rPr>
+                              <m:t>𝑖</m:t>
+                            </m:r>
+                          </m:sub>
+                          <m:sup>
+                            <m:r>
+                              <a:rPr lang="en-US" i="1" dirty="0">
+                                <a:latin typeface="Cambria Math" panose="02040503050406030204" pitchFamily="18" charset="0"/>
+                              </a:rPr>
+                              <m:t>2</m:t>
+                            </m:r>
+                          </m:sup>
+                        </m:sSubSup>
+                      </m:e>
+                    </m:nary>
+                    <m:r>
+                      <a:rPr lang="en-US" i="1" dirty="0">
+                        <a:latin typeface="Cambria Math" panose="02040503050406030204" pitchFamily="18" charset="0"/>
+                      </a:rPr>
+                      <m:t>/(</m:t>
+                    </m:r>
+                    <m:r>
+                      <a:rPr lang="en-US" i="1" dirty="0">
+                        <a:latin typeface="Cambria Math" panose="02040503050406030204" pitchFamily="18" charset="0"/>
+                      </a:rPr>
+                      <m:t>𝑛</m:t>
+                    </m:r>
+                    <m:r>
+                      <a:rPr lang="en-US" i="1" dirty="0">
+                        <a:latin typeface="Cambria Math" panose="02040503050406030204" pitchFamily="18" charset="0"/>
+                      </a:rPr>
+                      <m:t>−1)=</m:t>
+                    </m:r>
+                    <m:r>
+                      <a:rPr lang="en-US" b="0" i="1" dirty="0" smtClean="0">
+                        <a:latin typeface="Cambria Math" panose="02040503050406030204" pitchFamily="18" charset="0"/>
+                      </a:rPr>
+                      <m:t>𝑀𝑆𝐸</m:t>
+                    </m:r>
+                  </m:oMath>
+                </a14:m>
+                <a:endParaRPr lang="en-US" dirty="0"/>
+              </a:p>
+            </p:txBody>
+          </p:sp>
+        </mc:Choice>
+        <mc:Fallback>
+          <p:sp>
+            <p:nvSpPr>
+              <p:cNvPr id="3" name="Content Placeholder 2">
+                <a:extLst>
+                  <a:ext uri="{FF2B5EF4-FFF2-40B4-BE49-F238E27FC236}">
+                    <a16:creationId xmlns:a16="http://schemas.microsoft.com/office/drawing/2014/main" id="{A8C856AA-1882-124E-B35D-0DA8C694E016}"/>
+                  </a:ext>
+                </a:extLst>
+              </p:cNvPr>
+              <p:cNvSpPr>
+                <a:spLocks noGrp="1" noRot="1" noChangeAspect="1" noMove="1" noResize="1" noEditPoints="1" noAdjustHandles="1" noChangeArrowheads="1" noChangeShapeType="1" noTextEdit="1"/>
+              </p:cNvSpPr>
+              <p:nvPr>
+                <p:ph idx="1"/>
+              </p:nvPr>
+            </p:nvSpPr>
+            <p:spPr>
+              <a:blipFill>
+                <a:blip r:embed="rId3"/>
+                <a:stretch>
+                  <a:fillRect l="-965" t="-2047"/>
+                </a:stretch>
+              </a:blipFill>
+            </p:spPr>
+            <p:txBody>
+              <a:bodyPr/>
+              <a:lstStyle/>
+              <a:p>
+                <a:r>
+                  <a:rPr lang="en-US">
+                    <a:noFill/>
+                  </a:rPr>
+                  <a:t> </a:t>
+                </a:r>
+              </a:p>
+            </p:txBody>
+          </p:sp>
+        </mc:Fallback>
+      </mc:AlternateContent>
+    </p:spTree>
+    <p:extLst>
+      <p:ext uri="{BB962C8B-B14F-4D97-AF65-F5344CB8AC3E}">
+        <p14:creationId xmlns:p14="http://schemas.microsoft.com/office/powerpoint/2010/main" val="851485437"/>
+      </p:ext>
+    </p:extLst>
+  </p:cSld>
+  <p:clrMapOvr>
+    <a:masterClrMapping/>
+  </p:clrMapOvr>
+</p:sld>
+</file>
+
+<file path=ppt/slides/slide2.xml><?xml version="1.0" encoding="utf-8"?>
+<p:sld xmlns:a="http://schemas.openxmlformats.org/drawingml/2006/main" xmlns:r="http://schemas.openxmlformats.org/officeDocument/2006/relationships" xmlns:p="http://schemas.openxmlformats.org/presentationml/2006/main">
+  <p:cSld>
+    <p:spTree>
+      <p:nvGrpSpPr>
+        <p:cNvPr id="1" name=""/>
+        <p:cNvGrpSpPr/>
+        <p:nvPr/>
+      </p:nvGrpSpPr>
+      <p:grpSpPr>
+        <a:xfrm>
+          <a:off x="0" y="0"/>
+          <a:ext cx="0" cy="0"/>
+          <a:chOff x="0" y="0"/>
+          <a:chExt cx="0" cy="0"/>
+        </a:xfrm>
+      </p:grpSpPr>
+      <p:sp>
+        <p:nvSpPr>
+          <p:cNvPr id="2" name="TextBox 1">
+            <a:extLst>
+              <a:ext uri="{FF2B5EF4-FFF2-40B4-BE49-F238E27FC236}">
+                <a16:creationId xmlns:a16="http://schemas.microsoft.com/office/drawing/2014/main" id="{CB8C2B93-BA66-014F-A6C1-85338A620490}"/>
+              </a:ext>
+            </a:extLst>
+          </p:cNvPr>
+          <p:cNvSpPr txBox="1"/>
+          <p:nvPr/>
+        </p:nvSpPr>
+        <p:spPr>
+          <a:xfrm>
+            <a:off x="1172308" y="1843951"/>
+            <a:ext cx="9847384" cy="3170099"/>
+          </a:xfrm>
+          <a:prstGeom prst="rect">
+            <a:avLst/>
+          </a:prstGeom>
+          <a:noFill/>
+        </p:spPr>
+        <p:txBody>
+          <a:bodyPr wrap="square" rtlCol="0">
+            <a:spAutoFit/>
+          </a:bodyPr>
+          <a:lstStyle/>
+          <a:p>
+            <a:pPr algn="r"/>
+            <a:r>
+              <a:rPr lang="en-US" sz="4000" dirty="0"/>
+              <a:t>“The analysis of variance is not a mathematical theorem, but rather a convenient method of </a:t>
+            </a:r>
+            <a:r>
+              <a:rPr lang="en-US" sz="4000" dirty="0">
+                <a:solidFill>
+                  <a:srgbClr val="7030A0"/>
+                </a:solidFill>
+              </a:rPr>
+              <a:t>arranging the arithmetic</a:t>
+            </a:r>
+            <a:r>
+              <a:rPr lang="en-US" sz="4000" dirty="0"/>
+              <a:t>.”</a:t>
+            </a:r>
+          </a:p>
+          <a:p>
+            <a:pPr algn="r"/>
+            <a:endParaRPr lang="en-US" sz="4000" dirty="0"/>
+          </a:p>
+          <a:p>
+            <a:pPr algn="r"/>
+            <a:r>
+              <a:rPr lang="en-US" sz="4000" dirty="0"/>
+              <a:t>- Fisher</a:t>
+            </a:r>
+          </a:p>
+        </p:txBody>
+      </p:sp>
+    </p:spTree>
+    <p:extLst>
+      <p:ext uri="{BB962C8B-B14F-4D97-AF65-F5344CB8AC3E}">
+        <p14:creationId xmlns:p14="http://schemas.microsoft.com/office/powerpoint/2010/main" val="3668350249"/>
+      </p:ext>
+    </p:extLst>
+  </p:cSld>
+  <p:clrMapOvr>
+    <a:masterClrMapping/>
+  </p:clrMapOvr>
+</p:sld>
+</file>
+
+<file path=ppt/slides/slide3.xml><?xml version="1.0" encoding="utf-8"?>
+<p:sld xmlns:a="http://schemas.openxmlformats.org/drawingml/2006/main" xmlns:r="http://schemas.openxmlformats.org/officeDocument/2006/relationships" xmlns:p="http://schemas.openxmlformats.org/presentationml/2006/main">
+  <p:cSld>
+    <p:spTree>
+      <p:nvGrpSpPr>
+        <p:cNvPr id="1" name=""/>
+        <p:cNvGrpSpPr/>
+        <p:nvPr/>
+      </p:nvGrpSpPr>
+      <p:grpSpPr>
+        <a:xfrm>
+          <a:off x="0" y="0"/>
+          <a:ext cx="0" cy="0"/>
+          <a:chOff x="0" y="0"/>
+          <a:chExt cx="0" cy="0"/>
+        </a:xfrm>
+      </p:grpSpPr>
+      <mc:AlternateContent xmlns:mc="http://schemas.openxmlformats.org/markup-compatibility/2006">
+        <mc:Choice xmlns:a14="http://schemas.microsoft.com/office/drawing/2010/main" Requires="a14">
+          <p:sp>
+            <p:nvSpPr>
+              <p:cNvPr id="2" name="Title 1">
+                <a:extLst>
+                  <a:ext uri="{FF2B5EF4-FFF2-40B4-BE49-F238E27FC236}">
+                    <a16:creationId xmlns:a16="http://schemas.microsoft.com/office/drawing/2014/main" id="{7383D2F5-7999-1F4F-96A3-0019ECB81FCC}"/>
+                  </a:ext>
+                </a:extLst>
+              </p:cNvPr>
+              <p:cNvSpPr>
+                <a:spLocks noGrp="1"/>
+              </p:cNvSpPr>
+              <p:nvPr>
+                <p:ph type="title"/>
+              </p:nvPr>
+            </p:nvSpPr>
+            <p:spPr/>
+            <p:txBody>
+              <a:bodyPr/>
+              <a:lstStyle/>
+              <a:p>
+                <a:r>
+                  <a:rPr lang="en-US" dirty="0"/>
+                  <a:t>Inferences concerning </a:t>
+                </a:r>
+                <a14:m>
+                  <m:oMath xmlns:m="http://schemas.openxmlformats.org/officeDocument/2006/math">
+                    <m:sSub>
+                      <m:sSubPr>
+                        <m:ctrlPr>
+                          <a:rPr lang="en-US" b="0" i="1" smtClean="0">
+                            <a:latin typeface="Cambria Math" panose="02040503050406030204" pitchFamily="18" charset="0"/>
+                          </a:rPr>
+                        </m:ctrlPr>
+                      </m:sSubPr>
+                      <m:e>
+                        <m:r>
+                          <a:rPr lang="en-US" b="0" i="1" smtClean="0">
+                            <a:latin typeface="Cambria Math" panose="02040503050406030204" pitchFamily="18" charset="0"/>
+                          </a:rPr>
+                          <m:t>𝛽</m:t>
+                        </m:r>
+                      </m:e>
+                      <m:sub>
+                        <m:r>
+                          <a:rPr lang="en-US" b="0" i="1" smtClean="0">
+                            <a:latin typeface="Cambria Math" panose="02040503050406030204" pitchFamily="18" charset="0"/>
+                          </a:rPr>
+                          <m:t>1</m:t>
+                        </m:r>
+                      </m:sub>
+                    </m:sSub>
+                  </m:oMath>
+                </a14:m>
+                <a:endParaRPr lang="en-US" dirty="0"/>
+              </a:p>
+            </p:txBody>
+          </p:sp>
+        </mc:Choice>
+        <mc:Fallback>
+          <p:sp>
+            <p:nvSpPr>
+              <p:cNvPr id="2" name="Title 1">
+                <a:extLst>
+                  <a:ext uri="{FF2B5EF4-FFF2-40B4-BE49-F238E27FC236}">
+                    <a16:creationId xmlns:a16="http://schemas.microsoft.com/office/drawing/2014/main" id="{7383D2F5-7999-1F4F-96A3-0019ECB81FCC}"/>
+                  </a:ext>
+                </a:extLst>
+              </p:cNvPr>
+              <p:cNvSpPr>
+                <a:spLocks noGrp="1" noRot="1" noChangeAspect="1" noMove="1" noResize="1" noEditPoints="1" noAdjustHandles="1" noChangeArrowheads="1" noChangeShapeType="1" noTextEdit="1"/>
+              </p:cNvSpPr>
+              <p:nvPr>
+                <p:ph type="title"/>
+              </p:nvPr>
+            </p:nvSpPr>
+            <p:spPr>
+              <a:blipFill>
+                <a:blip r:embed="rId2"/>
+                <a:stretch>
+                  <a:fillRect l="-2292"/>
+                </a:stretch>
+              </a:blipFill>
+            </p:spPr>
+            <p:txBody>
+              <a:bodyPr/>
+              <a:lstStyle/>
+              <a:p>
+                <a:r>
+                  <a:rPr lang="en-US">
+                    <a:noFill/>
+                  </a:rPr>
+                  <a:t> </a:t>
+                </a:r>
+              </a:p>
+            </p:txBody>
+          </p:sp>
+        </mc:Fallback>
+      </mc:AlternateContent>
+      <mc:AlternateContent xmlns:mc="http://schemas.openxmlformats.org/markup-compatibility/2006">
+        <mc:Choice xmlns:a14="http://schemas.microsoft.com/office/drawing/2010/main" Requires="a14">
+          <p:sp>
+            <p:nvSpPr>
+              <p:cNvPr id="3" name="Content Placeholder 2">
+                <a:extLst>
+                  <a:ext uri="{FF2B5EF4-FFF2-40B4-BE49-F238E27FC236}">
+                    <a16:creationId xmlns:a16="http://schemas.microsoft.com/office/drawing/2014/main" id="{71039A2E-DC64-694B-B07B-8E44A42A5BCB}"/>
+                  </a:ext>
+                </a:extLst>
+              </p:cNvPr>
+              <p:cNvSpPr>
+                <a:spLocks noGrp="1"/>
+              </p:cNvSpPr>
+              <p:nvPr>
+                <p:ph idx="1"/>
+              </p:nvPr>
+            </p:nvSpPr>
+            <p:spPr/>
+            <p:txBody>
+              <a:bodyPr/>
+              <a:lstStyle/>
+              <a:p>
+                <a:r>
+                  <a:rPr lang="en-US" dirty="0"/>
+                  <a:t>Is there a relationship between </a:t>
+                </a:r>
+                <a14:m>
+                  <m:oMath xmlns:m="http://schemas.openxmlformats.org/officeDocument/2006/math">
+                    <m:r>
+                      <a:rPr lang="en-US" b="0" i="1" smtClean="0">
+                        <a:latin typeface="Cambria Math" panose="02040503050406030204" pitchFamily="18" charset="0"/>
+                      </a:rPr>
+                      <m:t>𝑋</m:t>
+                    </m:r>
+                  </m:oMath>
+                </a14:m>
+                <a:r>
+                  <a:rPr lang="en-US" dirty="0"/>
+                  <a:t> and </a:t>
+                </a:r>
+                <a14:m>
+                  <m:oMath xmlns:m="http://schemas.openxmlformats.org/officeDocument/2006/math">
+                    <m:r>
+                      <a:rPr lang="en-US" b="0" i="1" smtClean="0">
+                        <a:latin typeface="Cambria Math" panose="02040503050406030204" pitchFamily="18" charset="0"/>
+                      </a:rPr>
+                      <m:t>𝑌</m:t>
+                    </m:r>
+                  </m:oMath>
+                </a14:m>
+                <a:r>
+                  <a:rPr lang="en-US" dirty="0"/>
+                  <a:t>?</a:t>
+                </a:r>
+              </a:p>
+            </p:txBody>
+          </p:sp>
+        </mc:Choice>
+        <mc:Fallback>
+          <p:sp>
+            <p:nvSpPr>
+              <p:cNvPr id="3" name="Content Placeholder 2">
+                <a:extLst>
+                  <a:ext uri="{FF2B5EF4-FFF2-40B4-BE49-F238E27FC236}">
+                    <a16:creationId xmlns:a16="http://schemas.microsoft.com/office/drawing/2014/main" id="{71039A2E-DC64-694B-B07B-8E44A42A5BCB}"/>
+                  </a:ext>
+                </a:extLst>
+              </p:cNvPr>
+              <p:cNvSpPr>
+                <a:spLocks noGrp="1" noRot="1" noChangeAspect="1" noMove="1" noResize="1" noEditPoints="1" noAdjustHandles="1" noChangeArrowheads="1" noChangeShapeType="1" noTextEdit="1"/>
+              </p:cNvSpPr>
+              <p:nvPr>
+                <p:ph idx="1"/>
+              </p:nvPr>
+            </p:nvSpPr>
+            <p:spPr>
+              <a:blipFill>
+                <a:blip r:embed="rId3"/>
+                <a:stretch>
+                  <a:fillRect l="-965" t="-2632"/>
+                </a:stretch>
+              </a:blipFill>
+            </p:spPr>
+            <p:txBody>
+              <a:bodyPr/>
+              <a:lstStyle/>
+              <a:p>
+                <a:r>
+                  <a:rPr lang="en-US">
+                    <a:noFill/>
+                  </a:rPr>
+                  <a:t> </a:t>
+                </a:r>
+              </a:p>
+            </p:txBody>
+          </p:sp>
+        </mc:Fallback>
+      </mc:AlternateContent>
+    </p:spTree>
+    <p:extLst>
+      <p:ext uri="{BB962C8B-B14F-4D97-AF65-F5344CB8AC3E}">
+        <p14:creationId xmlns:p14="http://schemas.microsoft.com/office/powerpoint/2010/main" val="269299768"/>
+      </p:ext>
+    </p:extLst>
+  </p:cSld>
+  <p:clrMapOvr>
+    <a:masterClrMapping/>
+  </p:clrMapOvr>
+</p:sld>
+</file>
+
+<file path=ppt/slides/slide4.xml><?xml version="1.0" encoding="utf-8"?>
+<p:sld xmlns:a="http://schemas.openxmlformats.org/drawingml/2006/main" xmlns:r="http://schemas.openxmlformats.org/officeDocument/2006/relationships" xmlns:p="http://schemas.openxmlformats.org/presentationml/2006/main">
+  <p:cSld>
+    <p:spTree>
+      <p:nvGrpSpPr>
+        <p:cNvPr id="1" name=""/>
+        <p:cNvGrpSpPr/>
+        <p:nvPr/>
+      </p:nvGrpSpPr>
+      <p:grpSpPr>
+        <a:xfrm>
+          <a:off x="0" y="0"/>
+          <a:ext cx="0" cy="0"/>
+          <a:chOff x="0" y="0"/>
+          <a:chExt cx="0" cy="0"/>
+        </a:xfrm>
+      </p:grpSpPr>
+      <mc:AlternateContent xmlns:mc="http://schemas.openxmlformats.org/markup-compatibility/2006">
+        <mc:Choice xmlns:a14="http://schemas.microsoft.com/office/drawing/2010/main" Requires="a14">
+          <p:sp>
+            <p:nvSpPr>
+              <p:cNvPr id="2" name="Title 1">
+                <a:extLst>
+                  <a:ext uri="{FF2B5EF4-FFF2-40B4-BE49-F238E27FC236}">
+                    <a16:creationId xmlns:a16="http://schemas.microsoft.com/office/drawing/2014/main" id="{7383D2F5-7999-1F4F-96A3-0019ECB81FCC}"/>
+                  </a:ext>
+                </a:extLst>
+              </p:cNvPr>
+              <p:cNvSpPr>
+                <a:spLocks noGrp="1"/>
+              </p:cNvSpPr>
+              <p:nvPr>
+                <p:ph type="title"/>
+              </p:nvPr>
+            </p:nvSpPr>
+            <p:spPr/>
+            <p:txBody>
+              <a:bodyPr/>
+              <a:lstStyle/>
+              <a:p>
+                <a:r>
+                  <a:rPr lang="en-US" dirty="0"/>
+                  <a:t>Inferences concerning </a:t>
+                </a:r>
+                <a14:m>
+                  <m:oMath xmlns:m="http://schemas.openxmlformats.org/officeDocument/2006/math">
+                    <m:sSub>
+                      <m:sSubPr>
+                        <m:ctrlPr>
+                          <a:rPr lang="en-US" b="0" i="1" smtClean="0">
+                            <a:latin typeface="Cambria Math" panose="02040503050406030204" pitchFamily="18" charset="0"/>
+                          </a:rPr>
+                        </m:ctrlPr>
+                      </m:sSubPr>
+                      <m:e>
+                        <m:r>
+                          <a:rPr lang="en-US" b="0" i="1" smtClean="0">
+                            <a:latin typeface="Cambria Math" panose="02040503050406030204" pitchFamily="18" charset="0"/>
+                          </a:rPr>
+                          <m:t>𝛽</m:t>
+                        </m:r>
+                      </m:e>
+                      <m:sub>
+                        <m:r>
+                          <a:rPr lang="en-US" b="0" i="1" smtClean="0">
+                            <a:latin typeface="Cambria Math" panose="02040503050406030204" pitchFamily="18" charset="0"/>
+                          </a:rPr>
+                          <m:t>1</m:t>
+                        </m:r>
+                      </m:sub>
+                    </m:sSub>
+                  </m:oMath>
+                </a14:m>
+                <a:endParaRPr lang="en-US" dirty="0"/>
+              </a:p>
+            </p:txBody>
+          </p:sp>
+        </mc:Choice>
+        <mc:Fallback>
+          <p:sp>
+            <p:nvSpPr>
+              <p:cNvPr id="2" name="Title 1">
+                <a:extLst>
+                  <a:ext uri="{FF2B5EF4-FFF2-40B4-BE49-F238E27FC236}">
+                    <a16:creationId xmlns:a16="http://schemas.microsoft.com/office/drawing/2014/main" id="{7383D2F5-7999-1F4F-96A3-0019ECB81FCC}"/>
+                  </a:ext>
+                </a:extLst>
+              </p:cNvPr>
+              <p:cNvSpPr>
+                <a:spLocks noGrp="1" noRot="1" noChangeAspect="1" noMove="1" noResize="1" noEditPoints="1" noAdjustHandles="1" noChangeArrowheads="1" noChangeShapeType="1" noTextEdit="1"/>
+              </p:cNvSpPr>
+              <p:nvPr>
+                <p:ph type="title"/>
+              </p:nvPr>
+            </p:nvSpPr>
+            <p:spPr>
+              <a:blipFill>
+                <a:blip r:embed="rId2"/>
+                <a:stretch>
+                  <a:fillRect l="-2292"/>
+                </a:stretch>
+              </a:blipFill>
+            </p:spPr>
+            <p:txBody>
+              <a:bodyPr/>
+              <a:lstStyle/>
+              <a:p>
+                <a:r>
+                  <a:rPr lang="en-US">
+                    <a:noFill/>
+                  </a:rPr>
+                  <a:t> </a:t>
+                </a:r>
+              </a:p>
+            </p:txBody>
+          </p:sp>
+        </mc:Fallback>
+      </mc:AlternateContent>
+      <mc:AlternateContent xmlns:mc="http://schemas.openxmlformats.org/markup-compatibility/2006">
+        <mc:Choice xmlns:a14="http://schemas.microsoft.com/office/drawing/2010/main" Requires="a14">
+          <p:sp>
+            <p:nvSpPr>
+              <p:cNvPr id="3" name="Content Placeholder 2">
+                <a:extLst>
+                  <a:ext uri="{FF2B5EF4-FFF2-40B4-BE49-F238E27FC236}">
+                    <a16:creationId xmlns:a16="http://schemas.microsoft.com/office/drawing/2014/main" id="{71039A2E-DC64-694B-B07B-8E44A42A5BCB}"/>
+                  </a:ext>
+                </a:extLst>
+              </p:cNvPr>
+              <p:cNvSpPr>
+                <a:spLocks noGrp="1"/>
+              </p:cNvSpPr>
+              <p:nvPr>
+                <p:ph idx="1"/>
+              </p:nvPr>
+            </p:nvSpPr>
+            <p:spPr/>
+            <p:txBody>
+              <a:bodyPr/>
+              <a:lstStyle/>
+              <a:p>
+                <a:r>
+                  <a:rPr lang="en-US" dirty="0"/>
+                  <a:t>Is there a relationship between </a:t>
+                </a:r>
+                <a14:m>
+                  <m:oMath xmlns:m="http://schemas.openxmlformats.org/officeDocument/2006/math">
+                    <m:r>
+                      <a:rPr lang="en-US" b="0" i="1" smtClean="0">
+                        <a:latin typeface="Cambria Math" panose="02040503050406030204" pitchFamily="18" charset="0"/>
+                      </a:rPr>
+                      <m:t>𝑋</m:t>
+                    </m:r>
+                  </m:oMath>
+                </a14:m>
+                <a:r>
+                  <a:rPr lang="en-US" dirty="0"/>
+                  <a:t> and </a:t>
+                </a:r>
+                <a14:m>
+                  <m:oMath xmlns:m="http://schemas.openxmlformats.org/officeDocument/2006/math">
+                    <m:r>
+                      <a:rPr lang="en-US" b="0" i="1" smtClean="0">
+                        <a:latin typeface="Cambria Math" panose="02040503050406030204" pitchFamily="18" charset="0"/>
+                      </a:rPr>
+                      <m:t>𝑌</m:t>
+                    </m:r>
+                  </m:oMath>
+                </a14:m>
+                <a:r>
+                  <a:rPr lang="en-US" dirty="0"/>
+                  <a:t>?</a:t>
+                </a:r>
+              </a:p>
+              <a:p>
+                <a:r>
+                  <a:rPr lang="en-US" dirty="0"/>
+                  <a:t>Is there a </a:t>
+                </a:r>
+                <a:r>
+                  <a:rPr lang="en-US" b="1" u="sng" dirty="0">
+                    <a:solidFill>
+                      <a:srgbClr val="0070C0"/>
+                    </a:solidFill>
+                  </a:rPr>
+                  <a:t>statistically significant linear</a:t>
+                </a:r>
+                <a:r>
+                  <a:rPr lang="en-US" dirty="0"/>
+                  <a:t> relationship between </a:t>
+                </a:r>
+                <a14:m>
+                  <m:oMath xmlns:m="http://schemas.openxmlformats.org/officeDocument/2006/math">
+                    <m:r>
+                      <a:rPr lang="en-US" i="1">
+                        <a:latin typeface="Cambria Math" panose="02040503050406030204" pitchFamily="18" charset="0"/>
+                      </a:rPr>
+                      <m:t>𝑋</m:t>
+                    </m:r>
+                  </m:oMath>
+                </a14:m>
+                <a:r>
+                  <a:rPr lang="en-US" dirty="0"/>
+                  <a:t> and </a:t>
+                </a:r>
+                <a14:m>
+                  <m:oMath xmlns:m="http://schemas.openxmlformats.org/officeDocument/2006/math">
+                    <m:r>
+                      <a:rPr lang="en-US" i="1">
+                        <a:latin typeface="Cambria Math" panose="02040503050406030204" pitchFamily="18" charset="0"/>
+                      </a:rPr>
+                      <m:t>𝑌</m:t>
+                    </m:r>
+                  </m:oMath>
+                </a14:m>
+                <a:r>
+                  <a:rPr lang="en-US" dirty="0"/>
+                  <a:t>?</a:t>
+                </a:r>
+              </a:p>
+              <a:p>
+                <a:endParaRPr lang="en-US" dirty="0"/>
+              </a:p>
+            </p:txBody>
+          </p:sp>
+        </mc:Choice>
+        <mc:Fallback>
+          <p:sp>
+            <p:nvSpPr>
+              <p:cNvPr id="3" name="Content Placeholder 2">
+                <a:extLst>
+                  <a:ext uri="{FF2B5EF4-FFF2-40B4-BE49-F238E27FC236}">
+                    <a16:creationId xmlns:a16="http://schemas.microsoft.com/office/drawing/2014/main" id="{71039A2E-DC64-694B-B07B-8E44A42A5BCB}"/>
+                  </a:ext>
+                </a:extLst>
+              </p:cNvPr>
+              <p:cNvSpPr>
+                <a:spLocks noGrp="1" noRot="1" noChangeAspect="1" noMove="1" noResize="1" noEditPoints="1" noAdjustHandles="1" noChangeArrowheads="1" noChangeShapeType="1" noTextEdit="1"/>
+              </p:cNvSpPr>
+              <p:nvPr>
+                <p:ph idx="1"/>
+              </p:nvPr>
+            </p:nvSpPr>
+            <p:spPr>
+              <a:blipFill>
+                <a:blip r:embed="rId3"/>
+                <a:stretch>
+                  <a:fillRect l="-965" t="-2632"/>
+                </a:stretch>
+              </a:blipFill>
+            </p:spPr>
+            <p:txBody>
+              <a:bodyPr/>
+              <a:lstStyle/>
+              <a:p>
+                <a:r>
+                  <a:rPr lang="en-US">
+                    <a:noFill/>
+                  </a:rPr>
+                  <a:t> </a:t>
+                </a:r>
+              </a:p>
+            </p:txBody>
+          </p:sp>
+        </mc:Fallback>
+      </mc:AlternateContent>
+    </p:spTree>
+    <p:extLst>
+      <p:ext uri="{BB962C8B-B14F-4D97-AF65-F5344CB8AC3E}">
+        <p14:creationId xmlns:p14="http://schemas.microsoft.com/office/powerpoint/2010/main" val="1288452037"/>
+      </p:ext>
+    </p:extLst>
+  </p:cSld>
+  <p:clrMapOvr>
+    <a:masterClrMapping/>
+  </p:clrMapOvr>
+</p:sld>
+</file>
+
+<file path=ppt/slides/slide5.xml><?xml version="1.0" encoding="utf-8"?>
+<p:sld xmlns:a="http://schemas.openxmlformats.org/drawingml/2006/main" xmlns:r="http://schemas.openxmlformats.org/officeDocument/2006/relationships" xmlns:p="http://schemas.openxmlformats.org/presentationml/2006/main">
+  <p:cSld>
+    <p:spTree>
+      <p:nvGrpSpPr>
+        <p:cNvPr id="1" name=""/>
+        <p:cNvGrpSpPr/>
+        <p:nvPr/>
+      </p:nvGrpSpPr>
+      <p:grpSpPr>
+        <a:xfrm>
+          <a:off x="0" y="0"/>
+          <a:ext cx="0" cy="0"/>
+          <a:chOff x="0" y="0"/>
+          <a:chExt cx="0" cy="0"/>
+        </a:xfrm>
+      </p:grpSpPr>
+      <mc:AlternateContent xmlns:mc="http://schemas.openxmlformats.org/markup-compatibility/2006">
+        <mc:Choice xmlns:a14="http://schemas.microsoft.com/office/drawing/2010/main" Requires="a14">
+          <p:sp>
+            <p:nvSpPr>
+              <p:cNvPr id="2" name="Title 1">
+                <a:extLst>
+                  <a:ext uri="{FF2B5EF4-FFF2-40B4-BE49-F238E27FC236}">
+                    <a16:creationId xmlns:a16="http://schemas.microsoft.com/office/drawing/2014/main" id="{7383D2F5-7999-1F4F-96A3-0019ECB81FCC}"/>
+                  </a:ext>
+                </a:extLst>
+              </p:cNvPr>
+              <p:cNvSpPr>
+                <a:spLocks noGrp="1"/>
+              </p:cNvSpPr>
+              <p:nvPr>
+                <p:ph type="title"/>
+              </p:nvPr>
+            </p:nvSpPr>
+            <p:spPr/>
+            <p:txBody>
+              <a:bodyPr/>
+              <a:lstStyle/>
+              <a:p>
+                <a:r>
+                  <a:rPr lang="en-US" dirty="0"/>
+                  <a:t>Inferences concerning </a:t>
+                </a:r>
+                <a14:m>
+                  <m:oMath xmlns:m="http://schemas.openxmlformats.org/officeDocument/2006/math">
+                    <m:sSub>
+                      <m:sSubPr>
+                        <m:ctrlPr>
+                          <a:rPr lang="en-US" b="0" i="1" smtClean="0">
+                            <a:latin typeface="Cambria Math" panose="02040503050406030204" pitchFamily="18" charset="0"/>
+                          </a:rPr>
+                        </m:ctrlPr>
+                      </m:sSubPr>
+                      <m:e>
+                        <m:r>
+                          <a:rPr lang="en-US" b="0" i="1" smtClean="0">
+                            <a:latin typeface="Cambria Math" panose="02040503050406030204" pitchFamily="18" charset="0"/>
+                          </a:rPr>
+                          <m:t>𝛽</m:t>
+                        </m:r>
+                      </m:e>
+                      <m:sub>
+                        <m:r>
+                          <a:rPr lang="en-US" b="0" i="1" smtClean="0">
+                            <a:latin typeface="Cambria Math" panose="02040503050406030204" pitchFamily="18" charset="0"/>
+                          </a:rPr>
+                          <m:t>1</m:t>
+                        </m:r>
+                      </m:sub>
+                    </m:sSub>
+                  </m:oMath>
+                </a14:m>
+                <a:endParaRPr lang="en-US" dirty="0"/>
+              </a:p>
+            </p:txBody>
+          </p:sp>
+        </mc:Choice>
+        <mc:Fallback>
+          <p:sp>
+            <p:nvSpPr>
+              <p:cNvPr id="2" name="Title 1">
+                <a:extLst>
+                  <a:ext uri="{FF2B5EF4-FFF2-40B4-BE49-F238E27FC236}">
+                    <a16:creationId xmlns:a16="http://schemas.microsoft.com/office/drawing/2014/main" id="{7383D2F5-7999-1F4F-96A3-0019ECB81FCC}"/>
+                  </a:ext>
+                </a:extLst>
+              </p:cNvPr>
+              <p:cNvSpPr>
+                <a:spLocks noGrp="1" noRot="1" noChangeAspect="1" noMove="1" noResize="1" noEditPoints="1" noAdjustHandles="1" noChangeArrowheads="1" noChangeShapeType="1" noTextEdit="1"/>
+              </p:cNvSpPr>
+              <p:nvPr>
+                <p:ph type="title"/>
+              </p:nvPr>
+            </p:nvSpPr>
+            <p:spPr>
+              <a:blipFill>
+                <a:blip r:embed="rId2"/>
+                <a:stretch>
+                  <a:fillRect l="-2292"/>
+                </a:stretch>
+              </a:blipFill>
+            </p:spPr>
+            <p:txBody>
+              <a:bodyPr/>
+              <a:lstStyle/>
+              <a:p>
+                <a:r>
+                  <a:rPr lang="en-US">
+                    <a:noFill/>
+                  </a:rPr>
+                  <a:t> </a:t>
+                </a:r>
+              </a:p>
+            </p:txBody>
+          </p:sp>
+        </mc:Fallback>
+      </mc:AlternateContent>
+      <mc:AlternateContent xmlns:mc="http://schemas.openxmlformats.org/markup-compatibility/2006">
+        <mc:Choice xmlns:a14="http://schemas.microsoft.com/office/drawing/2010/main" Requires="a14">
+          <p:sp>
+            <p:nvSpPr>
+              <p:cNvPr id="3" name="Content Placeholder 2">
+                <a:extLst>
+                  <a:ext uri="{FF2B5EF4-FFF2-40B4-BE49-F238E27FC236}">
+                    <a16:creationId xmlns:a16="http://schemas.microsoft.com/office/drawing/2014/main" id="{71039A2E-DC64-694B-B07B-8E44A42A5BCB}"/>
+                  </a:ext>
+                </a:extLst>
+              </p:cNvPr>
+              <p:cNvSpPr>
+                <a:spLocks noGrp="1"/>
+              </p:cNvSpPr>
+              <p:nvPr>
+                <p:ph idx="1"/>
+              </p:nvPr>
+            </p:nvSpPr>
+            <p:spPr/>
+            <p:txBody>
+              <a:bodyPr/>
+              <a:lstStyle/>
+              <a:p>
+                <a:r>
+                  <a:rPr lang="en-US" dirty="0"/>
+                  <a:t>Is there a relationship between </a:t>
+                </a:r>
+                <a14:m>
+                  <m:oMath xmlns:m="http://schemas.openxmlformats.org/officeDocument/2006/math">
+                    <m:r>
+                      <a:rPr lang="en-US" b="0" i="1" smtClean="0">
+                        <a:latin typeface="Cambria Math" panose="02040503050406030204" pitchFamily="18" charset="0"/>
+                      </a:rPr>
+                      <m:t>𝑋</m:t>
+                    </m:r>
+                  </m:oMath>
+                </a14:m>
+                <a:r>
+                  <a:rPr lang="en-US" dirty="0"/>
+                  <a:t> and </a:t>
+                </a:r>
+                <a14:m>
+                  <m:oMath xmlns:m="http://schemas.openxmlformats.org/officeDocument/2006/math">
+                    <m:r>
+                      <a:rPr lang="en-US" b="0" i="1" smtClean="0">
+                        <a:latin typeface="Cambria Math" panose="02040503050406030204" pitchFamily="18" charset="0"/>
+                      </a:rPr>
+                      <m:t>𝑌</m:t>
+                    </m:r>
+                  </m:oMath>
+                </a14:m>
+                <a:r>
+                  <a:rPr lang="en-US" dirty="0"/>
+                  <a:t>?</a:t>
+                </a:r>
+              </a:p>
+              <a:p>
+                <a:r>
+                  <a:rPr lang="en-US" dirty="0"/>
+                  <a:t>Is there a </a:t>
+                </a:r>
+                <a:r>
+                  <a:rPr lang="en-US" b="1" u="sng" dirty="0">
+                    <a:solidFill>
+                      <a:srgbClr val="0070C0"/>
+                    </a:solidFill>
+                  </a:rPr>
+                  <a:t>statistically significant linear</a:t>
+                </a:r>
+                <a:r>
+                  <a:rPr lang="en-US" dirty="0"/>
+                  <a:t> relationship between </a:t>
+                </a:r>
+                <a14:m>
+                  <m:oMath xmlns:m="http://schemas.openxmlformats.org/officeDocument/2006/math">
+                    <m:r>
+                      <a:rPr lang="en-US" i="1">
+                        <a:latin typeface="Cambria Math" panose="02040503050406030204" pitchFamily="18" charset="0"/>
+                      </a:rPr>
+                      <m:t>𝑋</m:t>
+                    </m:r>
+                  </m:oMath>
+                </a14:m>
+                <a:r>
+                  <a:rPr lang="en-US" dirty="0"/>
+                  <a:t> and </a:t>
+                </a:r>
+                <a14:m>
+                  <m:oMath xmlns:m="http://schemas.openxmlformats.org/officeDocument/2006/math">
+                    <m:r>
+                      <a:rPr lang="en-US" i="1">
+                        <a:latin typeface="Cambria Math" panose="02040503050406030204" pitchFamily="18" charset="0"/>
+                      </a:rPr>
+                      <m:t>𝑌</m:t>
+                    </m:r>
+                  </m:oMath>
+                </a14:m>
+                <a:r>
+                  <a:rPr lang="en-US" dirty="0"/>
+                  <a:t>?</a:t>
+                </a:r>
+              </a:p>
+              <a:p>
+                <a:r>
+                  <a:rPr lang="en-US" dirty="0"/>
+                  <a:t>How can we reformulate this as a statistical test?</a:t>
+                </a:r>
+                <a:br>
+                  <a:rPr lang="en-US" dirty="0"/>
+                </a:br>
+                <a:endParaRPr lang="en-US" dirty="0"/>
+              </a:p>
+            </p:txBody>
+          </p:sp>
+        </mc:Choice>
+        <mc:Fallback>
+          <p:sp>
+            <p:nvSpPr>
+              <p:cNvPr id="3" name="Content Placeholder 2">
+                <a:extLst>
+                  <a:ext uri="{FF2B5EF4-FFF2-40B4-BE49-F238E27FC236}">
+                    <a16:creationId xmlns:a16="http://schemas.microsoft.com/office/drawing/2014/main" id="{71039A2E-DC64-694B-B07B-8E44A42A5BCB}"/>
+                  </a:ext>
+                </a:extLst>
+              </p:cNvPr>
+              <p:cNvSpPr>
+                <a:spLocks noGrp="1" noRot="1" noChangeAspect="1" noMove="1" noResize="1" noEditPoints="1" noAdjustHandles="1" noChangeArrowheads="1" noChangeShapeType="1" noTextEdit="1"/>
+              </p:cNvSpPr>
+              <p:nvPr>
+                <p:ph idx="1"/>
+              </p:nvPr>
+            </p:nvSpPr>
+            <p:spPr>
+              <a:blipFill>
+                <a:blip r:embed="rId3"/>
+                <a:stretch>
+                  <a:fillRect l="-965" t="-2632"/>
+                </a:stretch>
+              </a:blipFill>
+            </p:spPr>
+            <p:txBody>
+              <a:bodyPr/>
+              <a:lstStyle/>
+              <a:p>
+                <a:r>
+                  <a:rPr lang="en-US">
+                    <a:noFill/>
+                  </a:rPr>
+                  <a:t> </a:t>
+                </a:r>
+              </a:p>
+            </p:txBody>
+          </p:sp>
+        </mc:Fallback>
+      </mc:AlternateContent>
+    </p:spTree>
+    <p:extLst>
+      <p:ext uri="{BB962C8B-B14F-4D97-AF65-F5344CB8AC3E}">
+        <p14:creationId xmlns:p14="http://schemas.microsoft.com/office/powerpoint/2010/main" val="3723786007"/>
+      </p:ext>
+    </p:extLst>
+  </p:cSld>
+  <p:clrMapOvr>
+    <a:masterClrMapping/>
+  </p:clrMapOvr>
+</p:sld>
+</file>
+
+<file path=ppt/slides/slide6.xml><?xml version="1.0" encoding="utf-8"?>
+<p:sld xmlns:a="http://schemas.openxmlformats.org/drawingml/2006/main" xmlns:r="http://schemas.openxmlformats.org/officeDocument/2006/relationships" xmlns:p="http://schemas.openxmlformats.org/presentationml/2006/main">
+  <p:cSld>
+    <p:spTree>
+      <p:nvGrpSpPr>
+        <p:cNvPr id="1" name=""/>
+        <p:cNvGrpSpPr/>
+        <p:nvPr/>
+      </p:nvGrpSpPr>
+      <p:grpSpPr>
+        <a:xfrm>
+          <a:off x="0" y="0"/>
+          <a:ext cx="0" cy="0"/>
+          <a:chOff x="0" y="0"/>
+          <a:chExt cx="0" cy="0"/>
+        </a:xfrm>
+      </p:grpSpPr>
+      <mc:AlternateContent xmlns:mc="http://schemas.openxmlformats.org/markup-compatibility/2006">
+        <mc:Choice xmlns:a14="http://schemas.microsoft.com/office/drawing/2010/main" Requires="a14">
+          <p:sp>
+            <p:nvSpPr>
+              <p:cNvPr id="2" name="Title 1">
+                <a:extLst>
+                  <a:ext uri="{FF2B5EF4-FFF2-40B4-BE49-F238E27FC236}">
+                    <a16:creationId xmlns:a16="http://schemas.microsoft.com/office/drawing/2014/main" id="{7383D2F5-7999-1F4F-96A3-0019ECB81FCC}"/>
+                  </a:ext>
+                </a:extLst>
+              </p:cNvPr>
+              <p:cNvSpPr>
+                <a:spLocks noGrp="1"/>
+              </p:cNvSpPr>
+              <p:nvPr>
+                <p:ph type="title"/>
+              </p:nvPr>
+            </p:nvSpPr>
+            <p:spPr/>
+            <p:txBody>
+              <a:bodyPr/>
+              <a:lstStyle/>
+              <a:p>
+                <a:r>
+                  <a:rPr lang="en-US" dirty="0"/>
+                  <a:t>Inferences concerning </a:t>
+                </a:r>
+                <a14:m>
+                  <m:oMath xmlns:m="http://schemas.openxmlformats.org/officeDocument/2006/math">
+                    <m:sSub>
+                      <m:sSubPr>
+                        <m:ctrlPr>
+                          <a:rPr lang="en-US" b="0" i="1" smtClean="0">
+                            <a:latin typeface="Cambria Math" panose="02040503050406030204" pitchFamily="18" charset="0"/>
+                          </a:rPr>
+                        </m:ctrlPr>
+                      </m:sSubPr>
+                      <m:e>
+                        <m:r>
+                          <a:rPr lang="en-US" b="0" i="1" smtClean="0">
+                            <a:latin typeface="Cambria Math" panose="02040503050406030204" pitchFamily="18" charset="0"/>
+                          </a:rPr>
+                          <m:t>𝛽</m:t>
+                        </m:r>
+                      </m:e>
+                      <m:sub>
+                        <m:r>
+                          <a:rPr lang="en-US" b="0" i="1" smtClean="0">
+                            <a:latin typeface="Cambria Math" panose="02040503050406030204" pitchFamily="18" charset="0"/>
+                          </a:rPr>
+                          <m:t>1</m:t>
+                        </m:r>
+                      </m:sub>
+                    </m:sSub>
+                  </m:oMath>
+                </a14:m>
+                <a:endParaRPr lang="en-US" dirty="0"/>
+              </a:p>
+            </p:txBody>
+          </p:sp>
+        </mc:Choice>
+        <mc:Fallback>
+          <p:sp>
+            <p:nvSpPr>
+              <p:cNvPr id="2" name="Title 1">
+                <a:extLst>
+                  <a:ext uri="{FF2B5EF4-FFF2-40B4-BE49-F238E27FC236}">
+                    <a16:creationId xmlns:a16="http://schemas.microsoft.com/office/drawing/2014/main" id="{7383D2F5-7999-1F4F-96A3-0019ECB81FCC}"/>
+                  </a:ext>
+                </a:extLst>
+              </p:cNvPr>
+              <p:cNvSpPr>
+                <a:spLocks noGrp="1" noRot="1" noChangeAspect="1" noMove="1" noResize="1" noEditPoints="1" noAdjustHandles="1" noChangeArrowheads="1" noChangeShapeType="1" noTextEdit="1"/>
+              </p:cNvSpPr>
+              <p:nvPr>
+                <p:ph type="title"/>
+              </p:nvPr>
+            </p:nvSpPr>
+            <p:spPr>
+              <a:blipFill>
+                <a:blip r:embed="rId2"/>
+                <a:stretch>
+                  <a:fillRect l="-2292"/>
+                </a:stretch>
+              </a:blipFill>
+            </p:spPr>
+            <p:txBody>
+              <a:bodyPr/>
+              <a:lstStyle/>
+              <a:p>
+                <a:r>
+                  <a:rPr lang="en-US">
+                    <a:noFill/>
+                  </a:rPr>
+                  <a:t> </a:t>
+                </a:r>
+              </a:p>
+            </p:txBody>
+          </p:sp>
+        </mc:Fallback>
+      </mc:AlternateContent>
+      <mc:AlternateContent xmlns:mc="http://schemas.openxmlformats.org/markup-compatibility/2006">
+        <mc:Choice xmlns:a14="http://schemas.microsoft.com/office/drawing/2010/main" Requires="a14">
+          <p:sp>
+            <p:nvSpPr>
+              <p:cNvPr id="3" name="Content Placeholder 2">
+                <a:extLst>
+                  <a:ext uri="{FF2B5EF4-FFF2-40B4-BE49-F238E27FC236}">
+                    <a16:creationId xmlns:a16="http://schemas.microsoft.com/office/drawing/2014/main" id="{71039A2E-DC64-694B-B07B-8E44A42A5BCB}"/>
+                  </a:ext>
+                </a:extLst>
+              </p:cNvPr>
+              <p:cNvSpPr>
+                <a:spLocks noGrp="1"/>
+              </p:cNvSpPr>
+              <p:nvPr>
+                <p:ph idx="1"/>
+              </p:nvPr>
+            </p:nvSpPr>
+            <p:spPr/>
+            <p:txBody>
+              <a:bodyPr>
+                <a:normAutofit fontScale="92500"/>
+              </a:bodyPr>
+              <a:lstStyle/>
+              <a:p>
+                <a:r>
+                  <a:rPr lang="en-US" dirty="0"/>
+                  <a:t>Is there a relationship between </a:t>
+                </a:r>
+                <a14:m>
+                  <m:oMath xmlns:m="http://schemas.openxmlformats.org/officeDocument/2006/math">
+                    <m:r>
+                      <a:rPr lang="en-US" b="0" i="1" smtClean="0">
+                        <a:latin typeface="Cambria Math" panose="02040503050406030204" pitchFamily="18" charset="0"/>
+                      </a:rPr>
+                      <m:t>𝑋</m:t>
+                    </m:r>
+                  </m:oMath>
+                </a14:m>
+                <a:r>
+                  <a:rPr lang="en-US" dirty="0"/>
+                  <a:t> and </a:t>
+                </a:r>
+                <a14:m>
+                  <m:oMath xmlns:m="http://schemas.openxmlformats.org/officeDocument/2006/math">
+                    <m:r>
+                      <a:rPr lang="en-US" b="0" i="1" smtClean="0">
+                        <a:latin typeface="Cambria Math" panose="02040503050406030204" pitchFamily="18" charset="0"/>
+                      </a:rPr>
+                      <m:t>𝑌</m:t>
+                    </m:r>
+                  </m:oMath>
+                </a14:m>
+                <a:r>
+                  <a:rPr lang="en-US" dirty="0"/>
+                  <a:t>?</a:t>
+                </a:r>
+              </a:p>
+              <a:p>
+                <a:r>
+                  <a:rPr lang="en-US" dirty="0"/>
+                  <a:t>Is there a </a:t>
+                </a:r>
+                <a:r>
+                  <a:rPr lang="en-US" b="1" u="sng" dirty="0">
+                    <a:solidFill>
+                      <a:srgbClr val="0070C0"/>
+                    </a:solidFill>
+                  </a:rPr>
+                  <a:t>statistically significant linear</a:t>
+                </a:r>
+                <a:r>
+                  <a:rPr lang="en-US" dirty="0"/>
+                  <a:t> relationship between </a:t>
+                </a:r>
+                <a14:m>
+                  <m:oMath xmlns:m="http://schemas.openxmlformats.org/officeDocument/2006/math">
+                    <m:r>
+                      <a:rPr lang="en-US" i="1">
+                        <a:latin typeface="Cambria Math" panose="02040503050406030204" pitchFamily="18" charset="0"/>
+                      </a:rPr>
+                      <m:t>𝑋</m:t>
+                    </m:r>
+                  </m:oMath>
+                </a14:m>
+                <a:r>
+                  <a:rPr lang="en-US" dirty="0"/>
+                  <a:t> and </a:t>
+                </a:r>
+                <a14:m>
+                  <m:oMath xmlns:m="http://schemas.openxmlformats.org/officeDocument/2006/math">
+                    <m:r>
+                      <a:rPr lang="en-US" i="1">
+                        <a:latin typeface="Cambria Math" panose="02040503050406030204" pitchFamily="18" charset="0"/>
+                      </a:rPr>
+                      <m:t>𝑌</m:t>
+                    </m:r>
+                  </m:oMath>
+                </a14:m>
+                <a:r>
+                  <a:rPr lang="en-US" dirty="0"/>
+                  <a:t>?</a:t>
+                </a:r>
+              </a:p>
+              <a:p>
+                <a:r>
+                  <a:rPr lang="en-US" dirty="0"/>
+                  <a:t>How can we reformulate this as a statistical test?</a:t>
+                </a:r>
+                <a:br>
+                  <a:rPr lang="en-US" dirty="0"/>
+                </a:br>
+                <a:endParaRPr lang="en-US" dirty="0"/>
+              </a:p>
+              <a:p>
+                <a:pPr marL="0" indent="0">
+                  <a:buNone/>
+                </a:pPr>
+                <a14:m>
+                  <m:oMathPara xmlns:m="http://schemas.openxmlformats.org/officeDocument/2006/math">
+                    <m:oMathParaPr>
+                      <m:jc m:val="centerGroup"/>
+                    </m:oMathParaPr>
+                    <m:oMath xmlns:m="http://schemas.openxmlformats.org/officeDocument/2006/math">
+                      <m:sSub>
+                        <m:sSubPr>
+                          <m:ctrlPr>
+                            <a:rPr lang="en-US" sz="5400" b="0" i="1" smtClean="0">
+                              <a:latin typeface="Cambria Math" panose="02040503050406030204" pitchFamily="18" charset="0"/>
+                            </a:rPr>
+                          </m:ctrlPr>
+                        </m:sSubPr>
+                        <m:e>
+                          <m:r>
+                            <a:rPr lang="en-US" sz="5400" b="0" i="1" smtClean="0">
+                              <a:latin typeface="Cambria Math" panose="02040503050406030204" pitchFamily="18" charset="0"/>
+                            </a:rPr>
+                            <m:t>𝐻</m:t>
+                          </m:r>
+                        </m:e>
+                        <m:sub>
+                          <m:r>
+                            <a:rPr lang="en-US" sz="5400" b="0" i="1" smtClean="0">
+                              <a:latin typeface="Cambria Math" panose="02040503050406030204" pitchFamily="18" charset="0"/>
+                            </a:rPr>
+                            <m:t>0</m:t>
+                          </m:r>
+                        </m:sub>
+                      </m:sSub>
+                      <m:r>
+                        <a:rPr lang="en-US" sz="5400" b="0" i="1" smtClean="0">
+                          <a:latin typeface="Cambria Math" panose="02040503050406030204" pitchFamily="18" charset="0"/>
+                        </a:rPr>
+                        <m:t>:</m:t>
+                      </m:r>
+                      <m:sSub>
+                        <m:sSubPr>
+                          <m:ctrlPr>
+                            <a:rPr lang="en-US" sz="5400" b="0" i="1" smtClean="0">
+                              <a:latin typeface="Cambria Math" panose="02040503050406030204" pitchFamily="18" charset="0"/>
+                            </a:rPr>
+                          </m:ctrlPr>
+                        </m:sSubPr>
+                        <m:e>
+                          <m:r>
+                            <a:rPr lang="en-US" sz="5400" b="0" i="1" smtClean="0">
+                              <a:latin typeface="Cambria Math" panose="02040503050406030204" pitchFamily="18" charset="0"/>
+                            </a:rPr>
+                            <m:t>𝛽</m:t>
+                          </m:r>
+                        </m:e>
+                        <m:sub>
+                          <m:r>
+                            <a:rPr lang="en-US" sz="5400" b="0" i="1" smtClean="0">
+                              <a:latin typeface="Cambria Math" panose="02040503050406030204" pitchFamily="18" charset="0"/>
+                            </a:rPr>
+                            <m:t>1</m:t>
+                          </m:r>
+                        </m:sub>
+                      </m:sSub>
+                      <m:r>
+                        <a:rPr lang="en-US" sz="5400" b="0" i="1" smtClean="0">
+                          <a:latin typeface="Cambria Math" panose="02040503050406030204" pitchFamily="18" charset="0"/>
+                        </a:rPr>
+                        <m:t>=0</m:t>
+                      </m:r>
+                    </m:oMath>
+                    <m:oMath xmlns:m="http://schemas.openxmlformats.org/officeDocument/2006/math">
+                      <m:sSub>
+                        <m:sSubPr>
+                          <m:ctrlPr>
+                            <a:rPr lang="en-US" sz="5400" b="0" i="1" smtClean="0">
+                              <a:latin typeface="Cambria Math" panose="02040503050406030204" pitchFamily="18" charset="0"/>
+                            </a:rPr>
+                          </m:ctrlPr>
+                        </m:sSubPr>
+                        <m:e>
+                          <m:r>
+                            <a:rPr lang="en-US" sz="5400" b="0" i="1" smtClean="0">
+                              <a:latin typeface="Cambria Math" panose="02040503050406030204" pitchFamily="18" charset="0"/>
+                            </a:rPr>
+                            <m:t>𝐻</m:t>
+                          </m:r>
+                        </m:e>
+                        <m:sub>
+                          <m:r>
+                            <a:rPr lang="en-US" sz="5400" b="0" i="1" smtClean="0">
+                              <a:latin typeface="Cambria Math" panose="02040503050406030204" pitchFamily="18" charset="0"/>
+                            </a:rPr>
+                            <m:t>1</m:t>
+                          </m:r>
+                        </m:sub>
+                      </m:sSub>
+                      <m:r>
+                        <a:rPr lang="en-US" sz="5400" b="0" i="1" smtClean="0">
+                          <a:latin typeface="Cambria Math" panose="02040503050406030204" pitchFamily="18" charset="0"/>
+                        </a:rPr>
+                        <m:t>:</m:t>
+                      </m:r>
+                      <m:sSub>
+                        <m:sSubPr>
+                          <m:ctrlPr>
+                            <a:rPr lang="en-US" sz="5400" b="0" i="1" smtClean="0">
+                              <a:latin typeface="Cambria Math" panose="02040503050406030204" pitchFamily="18" charset="0"/>
+                            </a:rPr>
+                          </m:ctrlPr>
+                        </m:sSubPr>
+                        <m:e>
+                          <m:r>
+                            <a:rPr lang="en-US" sz="5400" b="0" i="1" smtClean="0">
+                              <a:latin typeface="Cambria Math" panose="02040503050406030204" pitchFamily="18" charset="0"/>
+                            </a:rPr>
+                            <m:t>𝛽</m:t>
+                          </m:r>
+                        </m:e>
+                        <m:sub>
+                          <m:r>
+                            <a:rPr lang="en-US" sz="5400" b="0" i="1" smtClean="0">
+                              <a:latin typeface="Cambria Math" panose="02040503050406030204" pitchFamily="18" charset="0"/>
+                            </a:rPr>
+                            <m:t>1</m:t>
+                          </m:r>
+                        </m:sub>
+                      </m:sSub>
+                      <m:r>
+                        <a:rPr lang="en-US" sz="5400" b="0" i="1" smtClean="0">
+                          <a:latin typeface="Cambria Math" panose="02040503050406030204" pitchFamily="18" charset="0"/>
+                        </a:rPr>
+                        <m:t>≠0</m:t>
+                      </m:r>
+                    </m:oMath>
+                  </m:oMathPara>
+                </a14:m>
+                <a:endParaRPr lang="en-US" sz="5400" dirty="0"/>
+              </a:p>
+              <a:p>
+                <a:endParaRPr lang="en-US" dirty="0"/>
+              </a:p>
+              <a:p>
+                <a:r>
+                  <a:rPr lang="en-US" dirty="0"/>
+                  <a:t>Need a test statistic, sampling distribution, etc.</a:t>
+                </a:r>
+              </a:p>
+            </p:txBody>
+          </p:sp>
+        </mc:Choice>
+        <mc:Fallback>
+          <p:sp>
+            <p:nvSpPr>
+              <p:cNvPr id="3" name="Content Placeholder 2">
+                <a:extLst>
+                  <a:ext uri="{FF2B5EF4-FFF2-40B4-BE49-F238E27FC236}">
+                    <a16:creationId xmlns:a16="http://schemas.microsoft.com/office/drawing/2014/main" id="{71039A2E-DC64-694B-B07B-8E44A42A5BCB}"/>
+                  </a:ext>
+                </a:extLst>
+              </p:cNvPr>
+              <p:cNvSpPr>
+                <a:spLocks noGrp="1" noRot="1" noChangeAspect="1" noMove="1" noResize="1" noEditPoints="1" noAdjustHandles="1" noChangeArrowheads="1" noChangeShapeType="1" noTextEdit="1"/>
+              </p:cNvSpPr>
+              <p:nvPr>
+                <p:ph idx="1"/>
+              </p:nvPr>
+            </p:nvSpPr>
+            <p:spPr>
+              <a:blipFill>
+                <a:blip r:embed="rId3"/>
+                <a:stretch>
+                  <a:fillRect l="-844" t="-2339"/>
+                </a:stretch>
+              </a:blipFill>
+            </p:spPr>
+            <p:txBody>
+              <a:bodyPr/>
+              <a:lstStyle/>
+              <a:p>
+                <a:r>
+                  <a:rPr lang="en-US">
+                    <a:noFill/>
+                  </a:rPr>
+                  <a:t> </a:t>
+                </a:r>
+              </a:p>
+            </p:txBody>
+          </p:sp>
+        </mc:Fallback>
+      </mc:AlternateContent>
+    </p:spTree>
+    <p:extLst>
+      <p:ext uri="{BB962C8B-B14F-4D97-AF65-F5344CB8AC3E}">
+        <p14:creationId xmlns:p14="http://schemas.microsoft.com/office/powerpoint/2010/main" val="3140030000"/>
+      </p:ext>
+    </p:extLst>
+  </p:cSld>
+  <p:clrMapOvr>
+    <a:masterClrMapping/>
+  </p:clrMapOvr>
+</p:sld>
+</file>
+
+<file path=ppt/slides/slide7.xml><?xml version="1.0" encoding="utf-8"?>
+<p:sld xmlns:a="http://schemas.openxmlformats.org/drawingml/2006/main" xmlns:r="http://schemas.openxmlformats.org/officeDocument/2006/relationships" xmlns:p="http://schemas.openxmlformats.org/presentationml/2006/main">
+  <p:cSld>
+    <p:spTree>
+      <p:nvGrpSpPr>
+        <p:cNvPr id="1" name=""/>
+        <p:cNvGrpSpPr/>
+        <p:nvPr/>
+      </p:nvGrpSpPr>
+      <p:grpSpPr>
+        <a:xfrm>
+          <a:off x="0" y="0"/>
+          <a:ext cx="0" cy="0"/>
+          <a:chOff x="0" y="0"/>
+          <a:chExt cx="0" cy="0"/>
+        </a:xfrm>
+      </p:grpSpPr>
+      <mc:AlternateContent xmlns:mc="http://schemas.openxmlformats.org/markup-compatibility/2006">
+        <mc:Choice xmlns:a14="http://schemas.microsoft.com/office/drawing/2010/main" Requires="a14">
+          <p:sp>
+            <p:nvSpPr>
+              <p:cNvPr id="2" name="Title 1">
+                <a:extLst>
+                  <a:ext uri="{FF2B5EF4-FFF2-40B4-BE49-F238E27FC236}">
+                    <a16:creationId xmlns:a16="http://schemas.microsoft.com/office/drawing/2014/main" id="{E1113156-3ADB-B849-9F02-978AE098D2C1}"/>
+                  </a:ext>
+                </a:extLst>
+              </p:cNvPr>
+              <p:cNvSpPr>
+                <a:spLocks noGrp="1"/>
+              </p:cNvSpPr>
+              <p:nvPr>
+                <p:ph type="title"/>
+              </p:nvPr>
+            </p:nvSpPr>
+            <p:spPr/>
+            <p:txBody>
+              <a:bodyPr/>
+              <a:lstStyle/>
+              <a:p>
+                <a:r>
+                  <a:rPr lang="en-US" dirty="0"/>
+                  <a:t>Sampling distribution of </a:t>
+                </a:r>
+                <a14:m>
+                  <m:oMath xmlns:m="http://schemas.openxmlformats.org/officeDocument/2006/math">
+                    <m:sSub>
+                      <m:sSubPr>
+                        <m:ctrlPr>
+                          <a:rPr lang="en-US" b="0" i="1" dirty="0" smtClean="0">
+                            <a:latin typeface="Cambria Math" panose="02040503050406030204" pitchFamily="18" charset="0"/>
+                          </a:rPr>
+                        </m:ctrlPr>
+                      </m:sSubPr>
+                      <m:e>
+                        <m:acc>
+                          <m:accPr>
+                            <m:chr m:val="̂"/>
+                            <m:ctrlPr>
+                              <a:rPr lang="en-US" b="0" i="1" smtClean="0">
+                                <a:latin typeface="Cambria Math" panose="02040503050406030204" pitchFamily="18" charset="0"/>
+                              </a:rPr>
+                            </m:ctrlPr>
+                          </m:accPr>
+                          <m:e>
+                            <m:r>
+                              <a:rPr lang="en-US" b="0" i="1" smtClean="0">
+                                <a:latin typeface="Cambria Math" panose="02040503050406030204" pitchFamily="18" charset="0"/>
+                              </a:rPr>
+                              <m:t>𝛽</m:t>
+                            </m:r>
+                          </m:e>
+                        </m:acc>
+                      </m:e>
+                      <m:sub>
+                        <m:r>
+                          <a:rPr lang="en-US" b="0" i="1" dirty="0" smtClean="0">
+                            <a:latin typeface="Cambria Math" panose="02040503050406030204" pitchFamily="18" charset="0"/>
+                          </a:rPr>
+                          <m:t>1</m:t>
+                        </m:r>
+                      </m:sub>
+                    </m:sSub>
+                  </m:oMath>
+                </a14:m>
+                <a:endParaRPr lang="en-US" dirty="0"/>
+              </a:p>
+            </p:txBody>
+          </p:sp>
+        </mc:Choice>
+        <mc:Fallback>
+          <p:sp>
+            <p:nvSpPr>
+              <p:cNvPr id="2" name="Title 1">
+                <a:extLst>
+                  <a:ext uri="{FF2B5EF4-FFF2-40B4-BE49-F238E27FC236}">
+                    <a16:creationId xmlns:a16="http://schemas.microsoft.com/office/drawing/2014/main" id="{E1113156-3ADB-B849-9F02-978AE098D2C1}"/>
+                  </a:ext>
+                </a:extLst>
+              </p:cNvPr>
+              <p:cNvSpPr>
+                <a:spLocks noGrp="1" noRot="1" noChangeAspect="1" noMove="1" noResize="1" noEditPoints="1" noAdjustHandles="1" noChangeArrowheads="1" noChangeShapeType="1" noTextEdit="1"/>
+              </p:cNvSpPr>
+              <p:nvPr>
+                <p:ph type="title"/>
+              </p:nvPr>
+            </p:nvSpPr>
+            <p:spPr>
+              <a:blipFill>
+                <a:blip r:embed="rId2"/>
+                <a:stretch>
+                  <a:fillRect l="-2292"/>
+                </a:stretch>
+              </a:blipFill>
+            </p:spPr>
+            <p:txBody>
+              <a:bodyPr/>
+              <a:lstStyle/>
+              <a:p>
+                <a:r>
+                  <a:rPr lang="en-US">
+                    <a:noFill/>
+                  </a:rPr>
+                  <a:t> </a:t>
+                </a:r>
+              </a:p>
+            </p:txBody>
+          </p:sp>
+        </mc:Fallback>
+      </mc:AlternateContent>
+      <mc:AlternateContent xmlns:mc="http://schemas.openxmlformats.org/markup-compatibility/2006">
+        <mc:Choice xmlns:a14="http://schemas.microsoft.com/office/drawing/2010/main" Requires="a14">
+          <p:sp>
+            <p:nvSpPr>
+              <p:cNvPr id="3" name="Content Placeholder 2">
+                <a:extLst>
+                  <a:ext uri="{FF2B5EF4-FFF2-40B4-BE49-F238E27FC236}">
+                    <a16:creationId xmlns:a16="http://schemas.microsoft.com/office/drawing/2014/main" id="{A8C856AA-1882-124E-B35D-0DA8C694E016}"/>
+                  </a:ext>
+                </a:extLst>
+              </p:cNvPr>
+              <p:cNvSpPr>
+                <a:spLocks noGrp="1"/>
+              </p:cNvSpPr>
+              <p:nvPr>
+                <p:ph idx="1"/>
+              </p:nvPr>
+            </p:nvSpPr>
+            <p:spPr/>
+            <p:txBody>
+              <a:bodyPr/>
+              <a:lstStyle/>
+              <a:p>
+                <a:r>
+                  <a:rPr lang="en-US" dirty="0"/>
+                  <a:t>Test statistic: </a:t>
+                </a:r>
+                <a14:m>
+                  <m:oMath xmlns:m="http://schemas.openxmlformats.org/officeDocument/2006/math">
+                    <m:sSub>
+                      <m:sSubPr>
+                        <m:ctrlPr>
+                          <a:rPr lang="en-US" i="1" dirty="0">
+                            <a:latin typeface="Cambria Math" panose="02040503050406030204" pitchFamily="18" charset="0"/>
+                          </a:rPr>
+                        </m:ctrlPr>
+                      </m:sSubPr>
+                      <m:e>
+                        <m:acc>
+                          <m:accPr>
+                            <m:chr m:val="̂"/>
+                            <m:ctrlPr>
+                              <a:rPr lang="en-US" i="1">
+                                <a:latin typeface="Cambria Math" panose="02040503050406030204" pitchFamily="18" charset="0"/>
+                              </a:rPr>
+                            </m:ctrlPr>
+                          </m:accPr>
+                          <m:e>
+                            <m:r>
+                              <a:rPr lang="en-US" i="1">
+                                <a:latin typeface="Cambria Math" panose="02040503050406030204" pitchFamily="18" charset="0"/>
+                              </a:rPr>
+                              <m:t>𝛽</m:t>
+                            </m:r>
+                          </m:e>
+                        </m:acc>
+                      </m:e>
+                      <m:sub>
+                        <m:r>
+                          <a:rPr lang="en-US" i="1" dirty="0">
+                            <a:latin typeface="Cambria Math" panose="02040503050406030204" pitchFamily="18" charset="0"/>
+                          </a:rPr>
+                          <m:t>1</m:t>
+                        </m:r>
+                      </m:sub>
+                    </m:sSub>
+                    <m:r>
+                      <a:rPr lang="en-US" b="0" i="1" dirty="0" smtClean="0">
+                        <a:latin typeface="Cambria Math" panose="02040503050406030204" pitchFamily="18" charset="0"/>
+                      </a:rPr>
+                      <m:t>=</m:t>
+                    </m:r>
+                    <m:sSub>
+                      <m:sSubPr>
+                        <m:ctrlPr>
+                          <a:rPr lang="en-US" b="0" i="1" dirty="0" smtClean="0">
+                            <a:latin typeface="Cambria Math" panose="02040503050406030204" pitchFamily="18" charset="0"/>
+                          </a:rPr>
+                        </m:ctrlPr>
+                      </m:sSubPr>
+                      <m:e>
+                        <m:r>
+                          <a:rPr lang="en-US" b="0" i="1" dirty="0" smtClean="0">
+                            <a:latin typeface="Cambria Math" panose="02040503050406030204" pitchFamily="18" charset="0"/>
+                          </a:rPr>
+                          <m:t>𝑆</m:t>
+                        </m:r>
+                      </m:e>
+                      <m:sub>
+                        <m:r>
+                          <a:rPr lang="en-US" b="0" i="1" dirty="0" smtClean="0">
+                            <a:latin typeface="Cambria Math" panose="02040503050406030204" pitchFamily="18" charset="0"/>
+                          </a:rPr>
+                          <m:t>𝑥𝑦</m:t>
+                        </m:r>
+                      </m:sub>
+                    </m:sSub>
+                    <m:r>
+                      <a:rPr lang="en-US" b="0" i="1" dirty="0" smtClean="0">
+                        <a:latin typeface="Cambria Math" panose="02040503050406030204" pitchFamily="18" charset="0"/>
+                      </a:rPr>
+                      <m:t>/</m:t>
+                    </m:r>
+                    <m:sSub>
+                      <m:sSubPr>
+                        <m:ctrlPr>
+                          <a:rPr lang="en-US" b="0" i="1" dirty="0" smtClean="0">
+                            <a:latin typeface="Cambria Math" panose="02040503050406030204" pitchFamily="18" charset="0"/>
+                          </a:rPr>
+                        </m:ctrlPr>
+                      </m:sSubPr>
+                      <m:e>
+                        <m:r>
+                          <a:rPr lang="en-US" b="0" i="1" dirty="0" smtClean="0">
+                            <a:latin typeface="Cambria Math" panose="02040503050406030204" pitchFamily="18" charset="0"/>
+                          </a:rPr>
+                          <m:t>𝑆</m:t>
+                        </m:r>
+                      </m:e>
+                      <m:sub>
+                        <m:r>
+                          <a:rPr lang="en-US" b="0" i="1" dirty="0" smtClean="0">
+                            <a:latin typeface="Cambria Math" panose="02040503050406030204" pitchFamily="18" charset="0"/>
+                          </a:rPr>
+                          <m:t>𝑥𝑥</m:t>
+                        </m:r>
+                      </m:sub>
+                    </m:sSub>
+                  </m:oMath>
+                </a14:m>
+                <a:endParaRPr lang="en-US" dirty="0"/>
+              </a:p>
+              <a:p>
+                <a:r>
+                  <a:rPr lang="en-US" dirty="0"/>
+                  <a:t>Sampling distribution: </a:t>
+                </a:r>
+              </a:p>
+              <a:p>
+                <a:pPr lvl="1"/>
+                <a:r>
+                  <a:rPr lang="en-US" dirty="0"/>
+                  <a:t>Assuming </a:t>
+                </a:r>
+                <a14:m>
+                  <m:oMath xmlns:m="http://schemas.openxmlformats.org/officeDocument/2006/math">
+                    <m:sSub>
+                      <m:sSubPr>
+                        <m:ctrlPr>
+                          <a:rPr lang="en-US" b="0" i="1" smtClean="0">
+                            <a:latin typeface="Cambria Math" panose="02040503050406030204" pitchFamily="18" charset="0"/>
+                          </a:rPr>
+                        </m:ctrlPr>
+                      </m:sSubPr>
+                      <m:e>
+                        <m:r>
+                          <a:rPr lang="en-US" b="0" i="1" smtClean="0">
+                            <a:latin typeface="Cambria Math" panose="02040503050406030204" pitchFamily="18" charset="0"/>
+                          </a:rPr>
+                          <m:t>𝜖</m:t>
+                        </m:r>
+                      </m:e>
+                      <m:sub>
+                        <m:r>
+                          <a:rPr lang="en-US" b="0" i="1" smtClean="0">
+                            <a:latin typeface="Cambria Math" panose="02040503050406030204" pitchFamily="18" charset="0"/>
+                          </a:rPr>
+                          <m:t>𝑖</m:t>
+                        </m:r>
+                      </m:sub>
+                    </m:sSub>
+                    <m:r>
+                      <a:rPr lang="en-US" b="0" i="1" smtClean="0">
+                        <a:latin typeface="Cambria Math" panose="02040503050406030204" pitchFamily="18" charset="0"/>
+                      </a:rPr>
+                      <m:t>~</m:t>
+                    </m:r>
+                    <m:r>
+                      <a:rPr lang="en-US" b="0" i="1" smtClean="0">
+                        <a:latin typeface="Cambria Math" panose="02040503050406030204" pitchFamily="18" charset="0"/>
+                      </a:rPr>
+                      <m:t>𝑁𝐼𝐷</m:t>
+                    </m:r>
+                    <m:d>
+                      <m:dPr>
+                        <m:ctrlPr>
+                          <a:rPr lang="en-US" b="0" i="1" smtClean="0">
+                            <a:latin typeface="Cambria Math" panose="02040503050406030204" pitchFamily="18" charset="0"/>
+                          </a:rPr>
+                        </m:ctrlPr>
+                      </m:dPr>
+                      <m:e>
+                        <m:r>
+                          <a:rPr lang="en-US" b="0" i="1" smtClean="0">
+                            <a:latin typeface="Cambria Math" panose="02040503050406030204" pitchFamily="18" charset="0"/>
+                          </a:rPr>
+                          <m:t>0, </m:t>
+                        </m:r>
+                        <m:sSup>
+                          <m:sSupPr>
+                            <m:ctrlPr>
+                              <a:rPr lang="en-US" b="0" i="1" smtClean="0">
+                                <a:latin typeface="Cambria Math" panose="02040503050406030204" pitchFamily="18" charset="0"/>
+                              </a:rPr>
+                            </m:ctrlPr>
+                          </m:sSupPr>
+                          <m:e>
+                            <m:r>
+                              <a:rPr lang="en-US" b="0" i="1" smtClean="0">
+                                <a:latin typeface="Cambria Math" panose="02040503050406030204" pitchFamily="18" charset="0"/>
+                              </a:rPr>
+                              <m:t>𝜎</m:t>
+                            </m:r>
+                          </m:e>
+                          <m:sup>
+                            <m:r>
+                              <a:rPr lang="en-US" b="0" i="1" smtClean="0">
+                                <a:latin typeface="Cambria Math" panose="02040503050406030204" pitchFamily="18" charset="0"/>
+                              </a:rPr>
+                              <m:t>2</m:t>
+                            </m:r>
+                          </m:sup>
+                        </m:sSup>
+                      </m:e>
+                    </m:d>
+                  </m:oMath>
+                </a14:m>
+                <a:r>
+                  <a:rPr lang="en-US" dirty="0"/>
+                  <a:t>, then </a:t>
+                </a:r>
+                <a14:m>
+                  <m:oMath xmlns:m="http://schemas.openxmlformats.org/officeDocument/2006/math">
+                    <m:acc>
+                      <m:accPr>
+                        <m:chr m:val="̂"/>
+                        <m:ctrlPr>
+                          <a:rPr lang="en-US" i="1">
+                            <a:latin typeface="Cambria Math" panose="02040503050406030204" pitchFamily="18" charset="0"/>
+                          </a:rPr>
+                        </m:ctrlPr>
+                      </m:accPr>
+                      <m:e>
+                        <m:r>
+                          <a:rPr lang="en-US" i="1">
+                            <a:latin typeface="Cambria Math" panose="02040503050406030204" pitchFamily="18" charset="0"/>
+                          </a:rPr>
+                          <m:t>𝛽</m:t>
+                        </m:r>
+                      </m:e>
+                    </m:acc>
+                    <m:r>
+                      <a:rPr lang="en-US" b="0" i="1" smtClean="0">
+                        <a:latin typeface="Cambria Math" panose="02040503050406030204" pitchFamily="18" charset="0"/>
+                      </a:rPr>
+                      <m:t>~?</m:t>
+                    </m:r>
+                  </m:oMath>
+                </a14:m>
+                <a:endParaRPr lang="en-US" dirty="0"/>
+              </a:p>
+            </p:txBody>
+          </p:sp>
+        </mc:Choice>
+        <mc:Fallback>
+          <p:sp>
+            <p:nvSpPr>
+              <p:cNvPr id="3" name="Content Placeholder 2">
+                <a:extLst>
+                  <a:ext uri="{FF2B5EF4-FFF2-40B4-BE49-F238E27FC236}">
+                    <a16:creationId xmlns:a16="http://schemas.microsoft.com/office/drawing/2014/main" id="{A8C856AA-1882-124E-B35D-0DA8C694E016}"/>
+                  </a:ext>
+                </a:extLst>
+              </p:cNvPr>
+              <p:cNvSpPr>
+                <a:spLocks noGrp="1" noRot="1" noChangeAspect="1" noMove="1" noResize="1" noEditPoints="1" noAdjustHandles="1" noChangeArrowheads="1" noChangeShapeType="1" noTextEdit="1"/>
+              </p:cNvSpPr>
+              <p:nvPr>
+                <p:ph idx="1"/>
+              </p:nvPr>
+            </p:nvSpPr>
+            <p:spPr>
+              <a:blipFill>
+                <a:blip r:embed="rId3"/>
+                <a:stretch>
+                  <a:fillRect l="-965" t="-2047"/>
+                </a:stretch>
+              </a:blipFill>
+            </p:spPr>
+            <p:txBody>
+              <a:bodyPr/>
+              <a:lstStyle/>
+              <a:p>
+                <a:r>
+                  <a:rPr lang="en-US">
+                    <a:noFill/>
+                  </a:rPr>
+                  <a:t> </a:t>
+                </a:r>
+              </a:p>
+            </p:txBody>
+          </p:sp>
+        </mc:Fallback>
+      </mc:AlternateContent>
+    </p:spTree>
+    <p:extLst>
+      <p:ext uri="{BB962C8B-B14F-4D97-AF65-F5344CB8AC3E}">
+        <p14:creationId xmlns:p14="http://schemas.microsoft.com/office/powerpoint/2010/main" val="2729476382"/>
+      </p:ext>
+    </p:extLst>
+  </p:cSld>
+  <p:clrMapOvr>
+    <a:masterClrMapping/>
+  </p:clrMapOvr>
+</p:sld>
+</file>
+
+<file path=ppt/slides/slide8.xml><?xml version="1.0" encoding="utf-8"?>
+<p:sld xmlns:a="http://schemas.openxmlformats.org/drawingml/2006/main" xmlns:r="http://schemas.openxmlformats.org/officeDocument/2006/relationships" xmlns:p="http://schemas.openxmlformats.org/presentationml/2006/main">
+  <p:cSld>
+    <p:spTree>
+      <p:nvGrpSpPr>
+        <p:cNvPr id="1" name=""/>
+        <p:cNvGrpSpPr/>
+        <p:nvPr/>
+      </p:nvGrpSpPr>
+      <p:grpSpPr>
+        <a:xfrm>
+          <a:off x="0" y="0"/>
+          <a:ext cx="0" cy="0"/>
+          <a:chOff x="0" y="0"/>
+          <a:chExt cx="0" cy="0"/>
+        </a:xfrm>
+      </p:grpSpPr>
+      <mc:AlternateContent xmlns:mc="http://schemas.openxmlformats.org/markup-compatibility/2006">
+        <mc:Choice xmlns:a14="http://schemas.microsoft.com/office/drawing/2010/main" Requires="a14">
+          <p:sp>
+            <p:nvSpPr>
+              <p:cNvPr id="2" name="Title 1">
+                <a:extLst>
+                  <a:ext uri="{FF2B5EF4-FFF2-40B4-BE49-F238E27FC236}">
+                    <a16:creationId xmlns:a16="http://schemas.microsoft.com/office/drawing/2014/main" id="{E1113156-3ADB-B849-9F02-978AE098D2C1}"/>
+                  </a:ext>
+                </a:extLst>
+              </p:cNvPr>
+              <p:cNvSpPr>
+                <a:spLocks noGrp="1"/>
+              </p:cNvSpPr>
+              <p:nvPr>
+                <p:ph type="title"/>
+              </p:nvPr>
+            </p:nvSpPr>
+            <p:spPr/>
+            <p:txBody>
+              <a:bodyPr/>
+              <a:lstStyle/>
+              <a:p>
+                <a:r>
+                  <a:rPr lang="en-US" dirty="0"/>
+                  <a:t>Sampling distribution of </a:t>
+                </a:r>
+                <a14:m>
+                  <m:oMath xmlns:m="http://schemas.openxmlformats.org/officeDocument/2006/math">
+                    <m:sSub>
+                      <m:sSubPr>
+                        <m:ctrlPr>
+                          <a:rPr lang="en-US" b="0" i="1" dirty="0" smtClean="0">
+                            <a:latin typeface="Cambria Math" panose="02040503050406030204" pitchFamily="18" charset="0"/>
+                          </a:rPr>
+                        </m:ctrlPr>
+                      </m:sSubPr>
+                      <m:e>
+                        <m:acc>
+                          <m:accPr>
+                            <m:chr m:val="̂"/>
+                            <m:ctrlPr>
+                              <a:rPr lang="en-US" b="0" i="1" smtClean="0">
+                                <a:latin typeface="Cambria Math" panose="02040503050406030204" pitchFamily="18" charset="0"/>
+                              </a:rPr>
+                            </m:ctrlPr>
+                          </m:accPr>
+                          <m:e>
+                            <m:r>
+                              <a:rPr lang="en-US" b="0" i="1" smtClean="0">
+                                <a:latin typeface="Cambria Math" panose="02040503050406030204" pitchFamily="18" charset="0"/>
+                              </a:rPr>
+                              <m:t>𝛽</m:t>
+                            </m:r>
+                          </m:e>
+                        </m:acc>
+                      </m:e>
+                      <m:sub>
+                        <m:r>
+                          <a:rPr lang="en-US" b="0" i="1" dirty="0" smtClean="0">
+                            <a:latin typeface="Cambria Math" panose="02040503050406030204" pitchFamily="18" charset="0"/>
+                          </a:rPr>
+                          <m:t>1</m:t>
+                        </m:r>
+                      </m:sub>
+                    </m:sSub>
+                  </m:oMath>
+                </a14:m>
+                <a:endParaRPr lang="en-US" dirty="0"/>
+              </a:p>
+            </p:txBody>
+          </p:sp>
+        </mc:Choice>
+        <mc:Fallback>
+          <p:sp>
+            <p:nvSpPr>
+              <p:cNvPr id="2" name="Title 1">
+                <a:extLst>
+                  <a:ext uri="{FF2B5EF4-FFF2-40B4-BE49-F238E27FC236}">
+                    <a16:creationId xmlns:a16="http://schemas.microsoft.com/office/drawing/2014/main" id="{E1113156-3ADB-B849-9F02-978AE098D2C1}"/>
+                  </a:ext>
+                </a:extLst>
+              </p:cNvPr>
+              <p:cNvSpPr>
+                <a:spLocks noGrp="1" noRot="1" noChangeAspect="1" noMove="1" noResize="1" noEditPoints="1" noAdjustHandles="1" noChangeArrowheads="1" noChangeShapeType="1" noTextEdit="1"/>
+              </p:cNvSpPr>
+              <p:nvPr>
+                <p:ph type="title"/>
+              </p:nvPr>
+            </p:nvSpPr>
+            <p:spPr>
+              <a:blipFill>
+                <a:blip r:embed="rId2"/>
+                <a:stretch>
+                  <a:fillRect l="-2292"/>
+                </a:stretch>
+              </a:blipFill>
+            </p:spPr>
+            <p:txBody>
+              <a:bodyPr/>
+              <a:lstStyle/>
+              <a:p>
+                <a:r>
+                  <a:rPr lang="en-US">
+                    <a:noFill/>
+                  </a:rPr>
+                  <a:t> </a:t>
+                </a:r>
+              </a:p>
+            </p:txBody>
+          </p:sp>
+        </mc:Fallback>
+      </mc:AlternateContent>
+      <mc:AlternateContent xmlns:mc="http://schemas.openxmlformats.org/markup-compatibility/2006">
+        <mc:Choice xmlns:a14="http://schemas.microsoft.com/office/drawing/2010/main" Requires="a14">
+          <p:sp>
+            <p:nvSpPr>
+              <p:cNvPr id="3" name="Content Placeholder 2">
+                <a:extLst>
+                  <a:ext uri="{FF2B5EF4-FFF2-40B4-BE49-F238E27FC236}">
+                    <a16:creationId xmlns:a16="http://schemas.microsoft.com/office/drawing/2014/main" id="{A8C856AA-1882-124E-B35D-0DA8C694E016}"/>
+                  </a:ext>
+                </a:extLst>
+              </p:cNvPr>
+              <p:cNvSpPr>
+                <a:spLocks noGrp="1"/>
+              </p:cNvSpPr>
+              <p:nvPr>
+                <p:ph idx="1"/>
+              </p:nvPr>
+            </p:nvSpPr>
+            <p:spPr/>
+            <p:txBody>
+              <a:bodyPr/>
+              <a:lstStyle/>
+              <a:p>
+                <a:r>
+                  <a:rPr lang="en-US" dirty="0"/>
+                  <a:t>Test statistic: </a:t>
+                </a:r>
+                <a14:m>
+                  <m:oMath xmlns:m="http://schemas.openxmlformats.org/officeDocument/2006/math">
+                    <m:sSub>
+                      <m:sSubPr>
+                        <m:ctrlPr>
+                          <a:rPr lang="en-US" i="1" dirty="0">
+                            <a:latin typeface="Cambria Math" panose="02040503050406030204" pitchFamily="18" charset="0"/>
+                          </a:rPr>
+                        </m:ctrlPr>
+                      </m:sSubPr>
+                      <m:e>
+                        <m:acc>
+                          <m:accPr>
+                            <m:chr m:val="̂"/>
+                            <m:ctrlPr>
+                              <a:rPr lang="en-US" i="1">
+                                <a:latin typeface="Cambria Math" panose="02040503050406030204" pitchFamily="18" charset="0"/>
+                              </a:rPr>
+                            </m:ctrlPr>
+                          </m:accPr>
+                          <m:e>
+                            <m:r>
+                              <a:rPr lang="en-US" i="1">
+                                <a:latin typeface="Cambria Math" panose="02040503050406030204" pitchFamily="18" charset="0"/>
+                              </a:rPr>
+                              <m:t>𝛽</m:t>
+                            </m:r>
+                          </m:e>
+                        </m:acc>
+                      </m:e>
+                      <m:sub>
+                        <m:r>
+                          <a:rPr lang="en-US" i="1" dirty="0">
+                            <a:latin typeface="Cambria Math" panose="02040503050406030204" pitchFamily="18" charset="0"/>
+                          </a:rPr>
+                          <m:t>1</m:t>
+                        </m:r>
+                      </m:sub>
+                    </m:sSub>
+                    <m:r>
+                      <a:rPr lang="en-US" b="0" i="1" dirty="0" smtClean="0">
+                        <a:latin typeface="Cambria Math" panose="02040503050406030204" pitchFamily="18" charset="0"/>
+                      </a:rPr>
+                      <m:t>=</m:t>
+                    </m:r>
+                    <m:sSub>
+                      <m:sSubPr>
+                        <m:ctrlPr>
+                          <a:rPr lang="en-US" b="0" i="1" dirty="0" smtClean="0">
+                            <a:latin typeface="Cambria Math" panose="02040503050406030204" pitchFamily="18" charset="0"/>
+                          </a:rPr>
+                        </m:ctrlPr>
+                      </m:sSubPr>
+                      <m:e>
+                        <m:r>
+                          <a:rPr lang="en-US" b="0" i="1" dirty="0" smtClean="0">
+                            <a:latin typeface="Cambria Math" panose="02040503050406030204" pitchFamily="18" charset="0"/>
+                          </a:rPr>
+                          <m:t>𝑆</m:t>
+                        </m:r>
+                      </m:e>
+                      <m:sub>
+                        <m:r>
+                          <a:rPr lang="en-US" b="0" i="1" dirty="0" smtClean="0">
+                            <a:latin typeface="Cambria Math" panose="02040503050406030204" pitchFamily="18" charset="0"/>
+                          </a:rPr>
+                          <m:t>𝑥𝑦</m:t>
+                        </m:r>
+                      </m:sub>
+                    </m:sSub>
+                    <m:r>
+                      <a:rPr lang="en-US" b="0" i="1" dirty="0" smtClean="0">
+                        <a:latin typeface="Cambria Math" panose="02040503050406030204" pitchFamily="18" charset="0"/>
+                      </a:rPr>
+                      <m:t>/</m:t>
+                    </m:r>
+                    <m:sSub>
+                      <m:sSubPr>
+                        <m:ctrlPr>
+                          <a:rPr lang="en-US" b="0" i="1" dirty="0" smtClean="0">
+                            <a:latin typeface="Cambria Math" panose="02040503050406030204" pitchFamily="18" charset="0"/>
+                          </a:rPr>
+                        </m:ctrlPr>
+                      </m:sSubPr>
+                      <m:e>
+                        <m:r>
+                          <a:rPr lang="en-US" b="0" i="1" dirty="0" smtClean="0">
+                            <a:latin typeface="Cambria Math" panose="02040503050406030204" pitchFamily="18" charset="0"/>
+                          </a:rPr>
+                          <m:t>𝑆</m:t>
+                        </m:r>
+                      </m:e>
+                      <m:sub>
+                        <m:r>
+                          <a:rPr lang="en-US" b="0" i="1" dirty="0" smtClean="0">
+                            <a:latin typeface="Cambria Math" panose="02040503050406030204" pitchFamily="18" charset="0"/>
+                          </a:rPr>
+                          <m:t>𝑥𝑥</m:t>
+                        </m:r>
+                      </m:sub>
+                    </m:sSub>
+                  </m:oMath>
+                </a14:m>
+                <a:endParaRPr lang="en-US" dirty="0"/>
+              </a:p>
+              <a:p>
+                <a:r>
+                  <a:rPr lang="en-US" dirty="0"/>
+                  <a:t>Sampling distribution: </a:t>
+                </a:r>
+              </a:p>
+              <a:p>
+                <a:pPr lvl="1"/>
+                <a:r>
+                  <a:rPr lang="en-US" dirty="0"/>
+                  <a:t>Assuming </a:t>
+                </a:r>
+                <a14:m>
+                  <m:oMath xmlns:m="http://schemas.openxmlformats.org/officeDocument/2006/math">
+                    <m:sSub>
+                      <m:sSubPr>
+                        <m:ctrlPr>
+                          <a:rPr lang="en-US" b="0" i="1" smtClean="0">
+                            <a:latin typeface="Cambria Math" panose="02040503050406030204" pitchFamily="18" charset="0"/>
+                          </a:rPr>
+                        </m:ctrlPr>
+                      </m:sSubPr>
+                      <m:e>
+                        <m:r>
+                          <a:rPr lang="en-US" b="0" i="1" smtClean="0">
+                            <a:latin typeface="Cambria Math" panose="02040503050406030204" pitchFamily="18" charset="0"/>
+                          </a:rPr>
+                          <m:t>𝜖</m:t>
+                        </m:r>
+                      </m:e>
+                      <m:sub>
+                        <m:r>
+                          <a:rPr lang="en-US" b="0" i="1" smtClean="0">
+                            <a:latin typeface="Cambria Math" panose="02040503050406030204" pitchFamily="18" charset="0"/>
+                          </a:rPr>
+                          <m:t>𝑖</m:t>
+                        </m:r>
+                      </m:sub>
+                    </m:sSub>
+                    <m:r>
+                      <a:rPr lang="en-US" b="0" i="1" smtClean="0">
+                        <a:latin typeface="Cambria Math" panose="02040503050406030204" pitchFamily="18" charset="0"/>
+                      </a:rPr>
+                      <m:t>~</m:t>
+                    </m:r>
+                    <m:r>
+                      <a:rPr lang="en-US" b="0" i="1" smtClean="0">
+                        <a:latin typeface="Cambria Math" panose="02040503050406030204" pitchFamily="18" charset="0"/>
+                      </a:rPr>
+                      <m:t>𝑁𝐼𝐷</m:t>
+                    </m:r>
+                    <m:d>
+                      <m:dPr>
+                        <m:ctrlPr>
+                          <a:rPr lang="en-US" b="0" i="1" smtClean="0">
+                            <a:latin typeface="Cambria Math" panose="02040503050406030204" pitchFamily="18" charset="0"/>
+                          </a:rPr>
+                        </m:ctrlPr>
+                      </m:dPr>
+                      <m:e>
+                        <m:r>
+                          <a:rPr lang="en-US" b="0" i="1" smtClean="0">
+                            <a:latin typeface="Cambria Math" panose="02040503050406030204" pitchFamily="18" charset="0"/>
+                          </a:rPr>
+                          <m:t>0, </m:t>
+                        </m:r>
+                        <m:sSup>
+                          <m:sSupPr>
+                            <m:ctrlPr>
+                              <a:rPr lang="en-US" b="0" i="1" smtClean="0">
+                                <a:latin typeface="Cambria Math" panose="02040503050406030204" pitchFamily="18" charset="0"/>
+                              </a:rPr>
+                            </m:ctrlPr>
+                          </m:sSupPr>
+                          <m:e>
+                            <m:r>
+                              <a:rPr lang="en-US" b="0" i="1" smtClean="0">
+                                <a:latin typeface="Cambria Math" panose="02040503050406030204" pitchFamily="18" charset="0"/>
+                              </a:rPr>
+                              <m:t>𝜎</m:t>
+                            </m:r>
+                          </m:e>
+                          <m:sup>
+                            <m:r>
+                              <a:rPr lang="en-US" b="0" i="1" smtClean="0">
+                                <a:latin typeface="Cambria Math" panose="02040503050406030204" pitchFamily="18" charset="0"/>
+                              </a:rPr>
+                              <m:t>2</m:t>
+                            </m:r>
+                          </m:sup>
+                        </m:sSup>
+                      </m:e>
+                    </m:d>
+                  </m:oMath>
+                </a14:m>
+                <a:r>
+                  <a:rPr lang="en-US" dirty="0"/>
+                  <a:t>, then </a:t>
+                </a:r>
+                <a14:m>
+                  <m:oMath xmlns:m="http://schemas.openxmlformats.org/officeDocument/2006/math">
+                    <m:acc>
+                      <m:accPr>
+                        <m:chr m:val="̂"/>
+                        <m:ctrlPr>
+                          <a:rPr lang="en-US" i="1">
+                            <a:latin typeface="Cambria Math" panose="02040503050406030204" pitchFamily="18" charset="0"/>
+                          </a:rPr>
+                        </m:ctrlPr>
+                      </m:accPr>
+                      <m:e>
+                        <m:r>
+                          <a:rPr lang="en-US" i="1">
+                            <a:latin typeface="Cambria Math" panose="02040503050406030204" pitchFamily="18" charset="0"/>
+                          </a:rPr>
+                          <m:t>𝛽</m:t>
+                        </m:r>
+                      </m:e>
+                    </m:acc>
+                    <m:r>
+                      <a:rPr lang="en-US" b="0" i="1" smtClean="0">
+                        <a:latin typeface="Cambria Math" panose="02040503050406030204" pitchFamily="18" charset="0"/>
+                      </a:rPr>
+                      <m:t>~</m:t>
+                    </m:r>
+                    <m:r>
+                      <a:rPr lang="en-US" b="0" i="1" smtClean="0">
+                        <a:latin typeface="Cambria Math" panose="02040503050406030204" pitchFamily="18" charset="0"/>
+                      </a:rPr>
+                      <m:t>𝑁</m:t>
+                    </m:r>
+                    <m:d>
+                      <m:dPr>
+                        <m:ctrlPr>
+                          <a:rPr lang="en-US" b="0" i="1" smtClean="0">
+                            <a:latin typeface="Cambria Math" panose="02040503050406030204" pitchFamily="18" charset="0"/>
+                          </a:rPr>
+                        </m:ctrlPr>
+                      </m:dPr>
+                      <m:e>
+                        <m:r>
+                          <a:rPr lang="en-US" b="0" i="1" smtClean="0">
+                            <a:latin typeface="Cambria Math" panose="02040503050406030204" pitchFamily="18" charset="0"/>
+                          </a:rPr>
+                          <m:t>?,?</m:t>
+                        </m:r>
+                      </m:e>
+                    </m:d>
+                  </m:oMath>
+                </a14:m>
+                <a:endParaRPr lang="en-US" dirty="0"/>
+              </a:p>
+            </p:txBody>
+          </p:sp>
+        </mc:Choice>
+        <mc:Fallback>
+          <p:sp>
+            <p:nvSpPr>
+              <p:cNvPr id="3" name="Content Placeholder 2">
+                <a:extLst>
+                  <a:ext uri="{FF2B5EF4-FFF2-40B4-BE49-F238E27FC236}">
+                    <a16:creationId xmlns:a16="http://schemas.microsoft.com/office/drawing/2014/main" id="{A8C856AA-1882-124E-B35D-0DA8C694E016}"/>
+                  </a:ext>
+                </a:extLst>
+              </p:cNvPr>
+              <p:cNvSpPr>
+                <a:spLocks noGrp="1" noRot="1" noChangeAspect="1" noMove="1" noResize="1" noEditPoints="1" noAdjustHandles="1" noChangeArrowheads="1" noChangeShapeType="1" noTextEdit="1"/>
+              </p:cNvSpPr>
+              <p:nvPr>
+                <p:ph idx="1"/>
+              </p:nvPr>
+            </p:nvSpPr>
+            <p:spPr>
+              <a:blipFill>
+                <a:blip r:embed="rId3"/>
+                <a:stretch>
+                  <a:fillRect l="-965" t="-2047"/>
+                </a:stretch>
+              </a:blipFill>
+            </p:spPr>
+            <p:txBody>
+              <a:bodyPr/>
+              <a:lstStyle/>
+              <a:p>
+                <a:r>
+                  <a:rPr lang="en-US">
+                    <a:noFill/>
+                  </a:rPr>
+                  <a:t> </a:t>
+                </a:r>
+              </a:p>
+            </p:txBody>
+          </p:sp>
+        </mc:Fallback>
+      </mc:AlternateContent>
+    </p:spTree>
+    <p:extLst>
+      <p:ext uri="{BB962C8B-B14F-4D97-AF65-F5344CB8AC3E}">
+        <p14:creationId xmlns:p14="http://schemas.microsoft.com/office/powerpoint/2010/main" val="686818776"/>
+      </p:ext>
+    </p:extLst>
+  </p:cSld>
+  <p:clrMapOvr>
+    <a:masterClrMapping/>
+  </p:clrMapOvr>
+</p:sld>
+</file>
+
+<file path=ppt/slides/slide9.xml><?xml version="1.0" encoding="utf-8"?>
+<p:sld xmlns:a="http://schemas.openxmlformats.org/drawingml/2006/main" xmlns:r="http://schemas.openxmlformats.org/officeDocument/2006/relationships" xmlns:p="http://schemas.openxmlformats.org/presentationml/2006/main">
+  <p:cSld>
+    <p:spTree>
+      <p:nvGrpSpPr>
+        <p:cNvPr id="1" name=""/>
+        <p:cNvGrpSpPr/>
+        <p:nvPr/>
+      </p:nvGrpSpPr>
+      <p:grpSpPr>
+        <a:xfrm>
+          <a:off x="0" y="0"/>
+          <a:ext cx="0" cy="0"/>
+          <a:chOff x="0" y="0"/>
+          <a:chExt cx="0" cy="0"/>
+        </a:xfrm>
+      </p:grpSpPr>
+      <mc:AlternateContent xmlns:mc="http://schemas.openxmlformats.org/markup-compatibility/2006">
+        <mc:Choice xmlns:a14="http://schemas.microsoft.com/office/drawing/2010/main" Requires="a14">
+          <p:sp>
+            <p:nvSpPr>
+              <p:cNvPr id="2" name="Title 1">
+                <a:extLst>
+                  <a:ext uri="{FF2B5EF4-FFF2-40B4-BE49-F238E27FC236}">
+                    <a16:creationId xmlns:a16="http://schemas.microsoft.com/office/drawing/2014/main" id="{E1113156-3ADB-B849-9F02-978AE098D2C1}"/>
+                  </a:ext>
+                </a:extLst>
+              </p:cNvPr>
+              <p:cNvSpPr>
+                <a:spLocks noGrp="1"/>
+              </p:cNvSpPr>
+              <p:nvPr>
+                <p:ph type="title"/>
+              </p:nvPr>
+            </p:nvSpPr>
+            <p:spPr/>
+            <p:txBody>
+              <a:bodyPr/>
+              <a:lstStyle/>
+              <a:p>
+                <a:r>
+                  <a:rPr lang="en-US" dirty="0"/>
+                  <a:t>Sampling distribution of </a:t>
+                </a:r>
+                <a14:m>
+                  <m:oMath xmlns:m="http://schemas.openxmlformats.org/officeDocument/2006/math">
+                    <m:sSub>
+                      <m:sSubPr>
+                        <m:ctrlPr>
+                          <a:rPr lang="en-US" b="0" i="1" dirty="0" smtClean="0">
+                            <a:latin typeface="Cambria Math" panose="02040503050406030204" pitchFamily="18" charset="0"/>
+                          </a:rPr>
+                        </m:ctrlPr>
+                      </m:sSubPr>
+                      <m:e>
+                        <m:acc>
+                          <m:accPr>
+                            <m:chr m:val="̂"/>
+                            <m:ctrlPr>
+                              <a:rPr lang="en-US" b="0" i="1" smtClean="0">
+                                <a:latin typeface="Cambria Math" panose="02040503050406030204" pitchFamily="18" charset="0"/>
+                              </a:rPr>
+                            </m:ctrlPr>
+                          </m:accPr>
+                          <m:e>
+                            <m:r>
+                              <a:rPr lang="en-US" b="0" i="1" smtClean="0">
+                                <a:latin typeface="Cambria Math" panose="02040503050406030204" pitchFamily="18" charset="0"/>
+                              </a:rPr>
+                              <m:t>𝛽</m:t>
+                            </m:r>
+                          </m:e>
+                        </m:acc>
+                      </m:e>
+                      <m:sub>
+                        <m:r>
+                          <a:rPr lang="en-US" b="0" i="1" dirty="0" smtClean="0">
+                            <a:latin typeface="Cambria Math" panose="02040503050406030204" pitchFamily="18" charset="0"/>
+                          </a:rPr>
+                          <m:t>1</m:t>
+                        </m:r>
+                      </m:sub>
+                    </m:sSub>
+                  </m:oMath>
+                </a14:m>
+                <a:endParaRPr lang="en-US" dirty="0"/>
+              </a:p>
+            </p:txBody>
+          </p:sp>
+        </mc:Choice>
+        <mc:Fallback>
+          <p:sp>
+            <p:nvSpPr>
+              <p:cNvPr id="2" name="Title 1">
+                <a:extLst>
+                  <a:ext uri="{FF2B5EF4-FFF2-40B4-BE49-F238E27FC236}">
+                    <a16:creationId xmlns:a16="http://schemas.microsoft.com/office/drawing/2014/main" id="{E1113156-3ADB-B849-9F02-978AE098D2C1}"/>
+                  </a:ext>
+                </a:extLst>
+              </p:cNvPr>
+              <p:cNvSpPr>
+                <a:spLocks noGrp="1" noRot="1" noChangeAspect="1" noMove="1" noResize="1" noEditPoints="1" noAdjustHandles="1" noChangeArrowheads="1" noChangeShapeType="1" noTextEdit="1"/>
+              </p:cNvSpPr>
+              <p:nvPr>
+                <p:ph type="title"/>
+              </p:nvPr>
+            </p:nvSpPr>
+            <p:spPr>
+              <a:blipFill>
+                <a:blip r:embed="rId2"/>
+                <a:stretch>
+                  <a:fillRect l="-2292"/>
+                </a:stretch>
+              </a:blipFill>
+            </p:spPr>
+            <p:txBody>
+              <a:bodyPr/>
+              <a:lstStyle/>
+              <a:p>
+                <a:r>
+                  <a:rPr lang="en-US">
+                    <a:noFill/>
+                  </a:rPr>
+                  <a:t> </a:t>
+                </a:r>
+              </a:p>
+            </p:txBody>
+          </p:sp>
+        </mc:Fallback>
+      </mc:AlternateContent>
+      <mc:AlternateContent xmlns:mc="http://schemas.openxmlformats.org/markup-compatibility/2006">
+        <mc:Choice xmlns:a14="http://schemas.microsoft.com/office/drawing/2010/main" Requires="a14">
+          <p:sp>
+            <p:nvSpPr>
+              <p:cNvPr id="3" name="Content Placeholder 2">
+                <a:extLst>
+                  <a:ext uri="{FF2B5EF4-FFF2-40B4-BE49-F238E27FC236}">
+                    <a16:creationId xmlns:a16="http://schemas.microsoft.com/office/drawing/2014/main" id="{A8C856AA-1882-124E-B35D-0DA8C694E016}"/>
+                  </a:ext>
+                </a:extLst>
+              </p:cNvPr>
+              <p:cNvSpPr>
+                <a:spLocks noGrp="1"/>
+              </p:cNvSpPr>
+              <p:nvPr>
+                <p:ph idx="1"/>
+              </p:nvPr>
+            </p:nvSpPr>
+            <p:spPr/>
+            <p:txBody>
+              <a:bodyPr/>
+              <a:lstStyle/>
+              <a:p>
+                <a:r>
+                  <a:rPr lang="en-US" dirty="0"/>
+                  <a:t>Test statistic: </a:t>
+                </a:r>
+                <a14:m>
+                  <m:oMath xmlns:m="http://schemas.openxmlformats.org/officeDocument/2006/math">
+                    <m:sSub>
+                      <m:sSubPr>
+                        <m:ctrlPr>
+                          <a:rPr lang="en-US" i="1" dirty="0">
+                            <a:latin typeface="Cambria Math" panose="02040503050406030204" pitchFamily="18" charset="0"/>
+                          </a:rPr>
+                        </m:ctrlPr>
+                      </m:sSubPr>
+                      <m:e>
+                        <m:acc>
+                          <m:accPr>
+                            <m:chr m:val="̂"/>
+                            <m:ctrlPr>
+                              <a:rPr lang="en-US" i="1">
+                                <a:latin typeface="Cambria Math" panose="02040503050406030204" pitchFamily="18" charset="0"/>
+                              </a:rPr>
+                            </m:ctrlPr>
+                          </m:accPr>
+                          <m:e>
+                            <m:r>
+                              <a:rPr lang="en-US" i="1">
+                                <a:latin typeface="Cambria Math" panose="02040503050406030204" pitchFamily="18" charset="0"/>
+                              </a:rPr>
+                              <m:t>𝛽</m:t>
+                            </m:r>
+                          </m:e>
+                        </m:acc>
+                      </m:e>
+                      <m:sub>
+                        <m:r>
+                          <a:rPr lang="en-US" i="1" dirty="0">
+                            <a:latin typeface="Cambria Math" panose="02040503050406030204" pitchFamily="18" charset="0"/>
+                          </a:rPr>
+                          <m:t>1</m:t>
+                        </m:r>
+                      </m:sub>
+                    </m:sSub>
+                    <m:r>
+                      <a:rPr lang="en-US" b="0" i="1" dirty="0" smtClean="0">
+                        <a:latin typeface="Cambria Math" panose="02040503050406030204" pitchFamily="18" charset="0"/>
+                      </a:rPr>
+                      <m:t>=</m:t>
+                    </m:r>
+                    <m:sSub>
+                      <m:sSubPr>
+                        <m:ctrlPr>
+                          <a:rPr lang="en-US" b="0" i="1" dirty="0" smtClean="0">
+                            <a:latin typeface="Cambria Math" panose="02040503050406030204" pitchFamily="18" charset="0"/>
+                          </a:rPr>
+                        </m:ctrlPr>
+                      </m:sSubPr>
+                      <m:e>
+                        <m:r>
+                          <a:rPr lang="en-US" b="0" i="1" dirty="0" smtClean="0">
+                            <a:latin typeface="Cambria Math" panose="02040503050406030204" pitchFamily="18" charset="0"/>
+                          </a:rPr>
+                          <m:t>𝑆</m:t>
+                        </m:r>
+                      </m:e>
+                      <m:sub>
+                        <m:r>
+                          <a:rPr lang="en-US" b="0" i="1" dirty="0" smtClean="0">
+                            <a:latin typeface="Cambria Math" panose="02040503050406030204" pitchFamily="18" charset="0"/>
+                          </a:rPr>
+                          <m:t>𝑥𝑦</m:t>
+                        </m:r>
+                      </m:sub>
+                    </m:sSub>
+                    <m:r>
+                      <a:rPr lang="en-US" b="0" i="1" dirty="0" smtClean="0">
+                        <a:latin typeface="Cambria Math" panose="02040503050406030204" pitchFamily="18" charset="0"/>
+                      </a:rPr>
+                      <m:t>/</m:t>
+                    </m:r>
+                    <m:sSub>
+                      <m:sSubPr>
+                        <m:ctrlPr>
+                          <a:rPr lang="en-US" b="0" i="1" dirty="0" smtClean="0">
+                            <a:latin typeface="Cambria Math" panose="02040503050406030204" pitchFamily="18" charset="0"/>
+                          </a:rPr>
+                        </m:ctrlPr>
+                      </m:sSubPr>
+                      <m:e>
+                        <m:r>
+                          <a:rPr lang="en-US" b="0" i="1" dirty="0" smtClean="0">
+                            <a:latin typeface="Cambria Math" panose="02040503050406030204" pitchFamily="18" charset="0"/>
+                          </a:rPr>
+                          <m:t>𝑆</m:t>
+                        </m:r>
+                      </m:e>
+                      <m:sub>
+                        <m:r>
+                          <a:rPr lang="en-US" b="0" i="1" dirty="0" smtClean="0">
+                            <a:latin typeface="Cambria Math" panose="02040503050406030204" pitchFamily="18" charset="0"/>
+                          </a:rPr>
+                          <m:t>𝑥𝑥</m:t>
+                        </m:r>
+                      </m:sub>
+                    </m:sSub>
+                  </m:oMath>
+                </a14:m>
+                <a:endParaRPr lang="en-US" dirty="0"/>
+              </a:p>
+              <a:p>
+                <a:r>
+                  <a:rPr lang="en-US" dirty="0"/>
+                  <a:t>Sampling distribution: </a:t>
+                </a:r>
+              </a:p>
+              <a:p>
+                <a:pPr lvl="1"/>
+                <a:r>
+                  <a:rPr lang="en-US" dirty="0"/>
+                  <a:t>Assuming </a:t>
+                </a:r>
+                <a14:m>
+                  <m:oMath xmlns:m="http://schemas.openxmlformats.org/officeDocument/2006/math">
+                    <m:sSub>
+                      <m:sSubPr>
+                        <m:ctrlPr>
+                          <a:rPr lang="en-US" b="0" i="1" smtClean="0">
+                            <a:latin typeface="Cambria Math" panose="02040503050406030204" pitchFamily="18" charset="0"/>
+                          </a:rPr>
+                        </m:ctrlPr>
+                      </m:sSubPr>
+                      <m:e>
+                        <m:r>
+                          <a:rPr lang="en-US" b="0" i="1" smtClean="0">
+                            <a:latin typeface="Cambria Math" panose="02040503050406030204" pitchFamily="18" charset="0"/>
+                          </a:rPr>
+                          <m:t>𝜖</m:t>
+                        </m:r>
+                      </m:e>
+                      <m:sub>
+                        <m:r>
+                          <a:rPr lang="en-US" b="0" i="1" smtClean="0">
+                            <a:latin typeface="Cambria Math" panose="02040503050406030204" pitchFamily="18" charset="0"/>
+                          </a:rPr>
+                          <m:t>𝑖</m:t>
+                        </m:r>
+                      </m:sub>
+                    </m:sSub>
+                    <m:r>
+                      <a:rPr lang="en-US" b="0" i="1" smtClean="0">
+                        <a:latin typeface="Cambria Math" panose="02040503050406030204" pitchFamily="18" charset="0"/>
+                      </a:rPr>
+                      <m:t>~</m:t>
+                    </m:r>
+                    <m:r>
+                      <a:rPr lang="en-US" b="0" i="1" smtClean="0">
+                        <a:latin typeface="Cambria Math" panose="02040503050406030204" pitchFamily="18" charset="0"/>
+                      </a:rPr>
+                      <m:t>𝑁𝐼𝐷</m:t>
+                    </m:r>
+                    <m:d>
+                      <m:dPr>
+                        <m:ctrlPr>
+                          <a:rPr lang="en-US" b="0" i="1" smtClean="0">
+                            <a:latin typeface="Cambria Math" panose="02040503050406030204" pitchFamily="18" charset="0"/>
+                          </a:rPr>
+                        </m:ctrlPr>
+                      </m:dPr>
+                      <m:e>
+                        <m:r>
+                          <a:rPr lang="en-US" b="0" i="1" smtClean="0">
+                            <a:latin typeface="Cambria Math" panose="02040503050406030204" pitchFamily="18" charset="0"/>
+                          </a:rPr>
+                          <m:t>0, </m:t>
+                        </m:r>
+                        <m:sSup>
+                          <m:sSupPr>
+                            <m:ctrlPr>
+                              <a:rPr lang="en-US" b="0" i="1" smtClean="0">
+                                <a:latin typeface="Cambria Math" panose="02040503050406030204" pitchFamily="18" charset="0"/>
+                              </a:rPr>
+                            </m:ctrlPr>
+                          </m:sSupPr>
+                          <m:e>
+                            <m:r>
+                              <a:rPr lang="en-US" b="0" i="1" smtClean="0">
+                                <a:latin typeface="Cambria Math" panose="02040503050406030204" pitchFamily="18" charset="0"/>
+                              </a:rPr>
+                              <m:t>𝜎</m:t>
+                            </m:r>
+                          </m:e>
+                          <m:sup>
+                            <m:r>
+                              <a:rPr lang="en-US" b="0" i="1" smtClean="0">
+                                <a:latin typeface="Cambria Math" panose="02040503050406030204" pitchFamily="18" charset="0"/>
+                              </a:rPr>
+                              <m:t>2</m:t>
+                            </m:r>
+                          </m:sup>
+                        </m:sSup>
+                      </m:e>
+                    </m:d>
+                  </m:oMath>
+                </a14:m>
+                <a:r>
+                  <a:rPr lang="en-US" dirty="0"/>
+                  <a:t>, then </a:t>
+                </a:r>
+                <a14:m>
+                  <m:oMath xmlns:m="http://schemas.openxmlformats.org/officeDocument/2006/math">
+                    <m:acc>
+                      <m:accPr>
+                        <m:chr m:val="̂"/>
+                        <m:ctrlPr>
+                          <a:rPr lang="en-US" i="1">
+                            <a:latin typeface="Cambria Math" panose="02040503050406030204" pitchFamily="18" charset="0"/>
+                          </a:rPr>
+                        </m:ctrlPr>
+                      </m:accPr>
+                      <m:e>
+                        <m:r>
+                          <a:rPr lang="en-US" i="1">
+                            <a:latin typeface="Cambria Math" panose="02040503050406030204" pitchFamily="18" charset="0"/>
+                          </a:rPr>
+                          <m:t>𝛽</m:t>
+                        </m:r>
+                      </m:e>
+                    </m:acc>
+                    <m:r>
+                      <a:rPr lang="en-US" b="0" i="1" smtClean="0">
+                        <a:latin typeface="Cambria Math" panose="02040503050406030204" pitchFamily="18" charset="0"/>
+                      </a:rPr>
+                      <m:t>~</m:t>
+                    </m:r>
+                    <m:r>
+                      <a:rPr lang="en-US" b="0" i="1" smtClean="0">
+                        <a:latin typeface="Cambria Math" panose="02040503050406030204" pitchFamily="18" charset="0"/>
+                      </a:rPr>
+                      <m:t>𝑁</m:t>
+                    </m:r>
+                    <m:d>
+                      <m:dPr>
+                        <m:ctrlPr>
+                          <a:rPr lang="en-US" b="0" i="1" smtClean="0">
+                            <a:latin typeface="Cambria Math" panose="02040503050406030204" pitchFamily="18" charset="0"/>
+                          </a:rPr>
+                        </m:ctrlPr>
+                      </m:dPr>
+                      <m:e>
+                        <m:sSub>
+                          <m:sSubPr>
+                            <m:ctrlPr>
+                              <a:rPr lang="en-US" b="0" i="1" smtClean="0">
+                                <a:latin typeface="Cambria Math" panose="02040503050406030204" pitchFamily="18" charset="0"/>
+                              </a:rPr>
+                            </m:ctrlPr>
+                          </m:sSubPr>
+                          <m:e>
+                            <m:r>
+                              <a:rPr lang="en-US" b="0" i="1" smtClean="0">
+                                <a:latin typeface="Cambria Math" panose="02040503050406030204" pitchFamily="18" charset="0"/>
+                              </a:rPr>
+                              <m:t>𝛽</m:t>
+                            </m:r>
+                          </m:e>
+                          <m:sub>
+                            <m:r>
+                              <a:rPr lang="en-US" b="0" i="1" smtClean="0">
+                                <a:latin typeface="Cambria Math" panose="02040503050406030204" pitchFamily="18" charset="0"/>
+                              </a:rPr>
+                              <m:t>1</m:t>
+                            </m:r>
+                          </m:sub>
+                        </m:sSub>
+                        <m:r>
+                          <a:rPr lang="en-US" b="0" i="1" smtClean="0">
+                            <a:latin typeface="Cambria Math" panose="02040503050406030204" pitchFamily="18" charset="0"/>
+                          </a:rPr>
+                          <m:t>,?</m:t>
+                        </m:r>
+                      </m:e>
+                    </m:d>
+                  </m:oMath>
+                </a14:m>
+                <a:endParaRPr lang="en-US" dirty="0"/>
+              </a:p>
+            </p:txBody>
+          </p:sp>
+        </mc:Choice>
+        <mc:Fallback>
+          <p:sp>
+            <p:nvSpPr>
+              <p:cNvPr id="3" name="Content Placeholder 2">
+                <a:extLst>
+                  <a:ext uri="{FF2B5EF4-FFF2-40B4-BE49-F238E27FC236}">
+                    <a16:creationId xmlns:a16="http://schemas.microsoft.com/office/drawing/2014/main" id="{A8C856AA-1882-124E-B35D-0DA8C694E016}"/>
+                  </a:ext>
+                </a:extLst>
+              </p:cNvPr>
+              <p:cNvSpPr>
+                <a:spLocks noGrp="1" noRot="1" noChangeAspect="1" noMove="1" noResize="1" noEditPoints="1" noAdjustHandles="1" noChangeArrowheads="1" noChangeShapeType="1" noTextEdit="1"/>
+              </p:cNvSpPr>
+              <p:nvPr>
+                <p:ph idx="1"/>
+              </p:nvPr>
+            </p:nvSpPr>
+            <p:spPr>
+              <a:blipFill>
+                <a:blip r:embed="rId3"/>
+                <a:stretch>
+                  <a:fillRect l="-965" t="-2047"/>
+                </a:stretch>
+              </a:blipFill>
+            </p:spPr>
+            <p:txBody>
+              <a:bodyPr/>
+              <a:lstStyle/>
+              <a:p>
+                <a:r>
+                  <a:rPr lang="en-US">
+                    <a:noFill/>
+                  </a:rPr>
+                  <a:t> </a:t>
+                </a:r>
+              </a:p>
+            </p:txBody>
+          </p:sp>
+        </mc:Fallback>
+      </mc:AlternateContent>
+    </p:spTree>
+    <p:extLst>
+      <p:ext uri="{BB962C8B-B14F-4D97-AF65-F5344CB8AC3E}">
+        <p14:creationId xmlns:p14="http://schemas.microsoft.com/office/powerpoint/2010/main" val="2528911810"/>
       </p:ext>
     </p:extLst>
   </p:cSld>
